--- a/HCS Data Science Bootcamp.pptx
+++ b/HCS Data Science Bootcamp.pptx
@@ -21,16 +21,19 @@
     <p:sldId id="266" r:id="rId15"/>
     <p:sldId id="267" r:id="rId16"/>
     <p:sldId id="268" r:id="rId17"/>
+    <p:sldId id="269" r:id="rId18"/>
+    <p:sldId id="270" r:id="rId19"/>
+    <p:sldId id="271" r:id="rId20"/>
   </p:sldIdLst>
   <p:sldSz cy="5143500" cx="9144000"/>
   <p:notesSz cx="6858000" cy="9144000"/>
   <p:embeddedFontLst>
     <p:embeddedFont>
       <p:font typeface="Roboto"/>
-      <p:regular r:id="rId18"/>
-      <p:bold r:id="rId19"/>
-      <p:italic r:id="rId20"/>
-      <p:boldItalic r:id="rId21"/>
+      <p:regular r:id="rId21"/>
+      <p:bold r:id="rId22"/>
+      <p:italic r:id="rId23"/>
+      <p:boldItalic r:id="rId24"/>
     </p:embeddedFont>
   </p:embeddedFontLst>
   <p:defaultTextStyle>
@@ -284,7 +287,7 @@
       </p:grpSpPr>
       <p:sp>
         <p:nvSpPr>
-          <p:cNvPr id="3" name="Shape 3"/>
+          <p:cNvPr id="3" name="Google Shape;3;n"/>
           <p:cNvSpPr/>
           <p:nvPr>
             <p:ph idx="2" type="sldImg"/>
@@ -296,6 +299,7 @@
             <a:ext cx="6096075" cy="3429000"/>
           </a:xfrm>
           <a:custGeom>
+            <a:rect b="b" l="l" r="r" t="t"/>
             <a:pathLst>
               <a:path extrusionOk="0" h="120000" w="120000">
                 <a:moveTo>
@@ -328,7 +332,7 @@
       </p:sp>
       <p:sp>
         <p:nvSpPr>
-          <p:cNvPr id="4" name="Shape 4"/>
+          <p:cNvPr id="4" name="Google Shape;4;n"/>
           <p:cNvSpPr txBox="1"/>
           <p:nvPr>
             <p:ph idx="1" type="body"/>
@@ -707,7 +711,7 @@
       </p:grpSpPr>
       <p:sp>
         <p:nvSpPr>
-          <p:cNvPr id="64" name="Shape 64"/>
+          <p:cNvPr id="64" name="Google Shape;64;gc6f73a04f_0_0:notes"/>
           <p:cNvSpPr/>
           <p:nvPr>
             <p:ph idx="2" type="sldImg"/>
@@ -719,6 +723,7 @@
             <a:ext cx="6096300" cy="3429000"/>
           </a:xfrm>
           <a:custGeom>
+            <a:rect b="b" l="l" r="r" t="t"/>
             <a:pathLst>
               <a:path extrusionOk="0" h="120000" w="120000">
                 <a:moveTo>
@@ -741,7 +746,7 @@
       </p:sp>
       <p:sp>
         <p:nvSpPr>
-          <p:cNvPr id="65" name="Shape 65"/>
+          <p:cNvPr id="65" name="Google Shape;65;gc6f73a04f_0_0:notes"/>
           <p:cNvSpPr txBox="1"/>
           <p:nvPr>
             <p:ph idx="1" type="body"/>
@@ -762,7 +767,7 @@
           </a:bodyPr>
           <a:lstStyle/>
           <a:p>
-            <a:pPr indent="0" lvl="0" marL="0">
+            <a:pPr indent="0" lvl="0" marL="0" rtl="0" algn="l">
               <a:spcBef>
                 <a:spcPts val="0"/>
               </a:spcBef>
@@ -791,7 +796,7 @@
   <p:cSld>
     <p:spTree>
       <p:nvGrpSpPr>
-        <p:cNvPr id="117" name="Shape 117"/>
+        <p:cNvPr id="119" name="Shape 119"/>
         <p:cNvGrpSpPr/>
         <p:nvPr/>
       </p:nvGrpSpPr>
@@ -805,7 +810,7 @@
       </p:grpSpPr>
       <p:sp>
         <p:nvSpPr>
-          <p:cNvPr id="118" name="Shape 118"/>
+          <p:cNvPr id="120" name="Google Shape;120;g44db6fa997_0_12:notes"/>
           <p:cNvSpPr/>
           <p:nvPr>
             <p:ph idx="2" type="sldImg"/>
@@ -817,6 +822,7 @@
             <a:ext cx="6096300" cy="3429000"/>
           </a:xfrm>
           <a:custGeom>
+            <a:rect b="b" l="l" r="r" t="t"/>
             <a:pathLst>
               <a:path extrusionOk="0" h="120000" w="120000">
                 <a:moveTo>
@@ -839,7 +845,7 @@
       </p:sp>
       <p:sp>
         <p:nvSpPr>
-          <p:cNvPr id="119" name="Shape 119"/>
+          <p:cNvPr id="121" name="Google Shape;121;g44db6fa997_0_12:notes"/>
           <p:cNvSpPr txBox="1"/>
           <p:nvPr>
             <p:ph idx="1" type="body"/>
@@ -860,7 +866,7 @@
           </a:bodyPr>
           <a:lstStyle/>
           <a:p>
-            <a:pPr indent="0" lvl="0" marL="0" rtl="0">
+            <a:pPr indent="0" lvl="0" marL="0" rtl="0" algn="l">
               <a:spcBef>
                 <a:spcPts val="0"/>
               </a:spcBef>
@@ -889,7 +895,7 @@
   <p:cSld>
     <p:spTree>
       <p:nvGrpSpPr>
-        <p:cNvPr id="124" name="Shape 124"/>
+        <p:cNvPr id="126" name="Shape 126"/>
         <p:cNvGrpSpPr/>
         <p:nvPr/>
       </p:nvGrpSpPr>
@@ -903,7 +909,7 @@
       </p:grpSpPr>
       <p:sp>
         <p:nvSpPr>
-          <p:cNvPr id="125" name="Shape 125"/>
+          <p:cNvPr id="127" name="Google Shape;127;g3538fb027a_0_10:notes"/>
           <p:cNvSpPr/>
           <p:nvPr>
             <p:ph idx="2" type="sldImg"/>
@@ -915,6 +921,7 @@
             <a:ext cx="6096300" cy="3429000"/>
           </a:xfrm>
           <a:custGeom>
+            <a:rect b="b" l="l" r="r" t="t"/>
             <a:pathLst>
               <a:path extrusionOk="0" h="120000" w="120000">
                 <a:moveTo>
@@ -937,7 +944,7 @@
       </p:sp>
       <p:sp>
         <p:nvSpPr>
-          <p:cNvPr id="126" name="Shape 126"/>
+          <p:cNvPr id="128" name="Google Shape;128;g3538fb027a_0_10:notes"/>
           <p:cNvSpPr txBox="1"/>
           <p:nvPr>
             <p:ph idx="1" type="body"/>
@@ -958,7 +965,7 @@
           </a:bodyPr>
           <a:lstStyle/>
           <a:p>
-            <a:pPr indent="0" lvl="0" marL="0" rtl="0">
+            <a:pPr indent="0" lvl="0" marL="0" rtl="0" algn="l">
               <a:spcBef>
                 <a:spcPts val="0"/>
               </a:spcBef>
@@ -987,7 +994,7 @@
   <p:cSld>
     <p:spTree>
       <p:nvGrpSpPr>
-        <p:cNvPr id="129" name="Shape 129"/>
+        <p:cNvPr id="131" name="Shape 131"/>
         <p:cNvGrpSpPr/>
         <p:nvPr/>
       </p:nvGrpSpPr>
@@ -1001,7 +1008,7 @@
       </p:grpSpPr>
       <p:sp>
         <p:nvSpPr>
-          <p:cNvPr id="130" name="Shape 130"/>
+          <p:cNvPr id="132" name="Google Shape;132;g3538fb027a_0_32:notes"/>
           <p:cNvSpPr/>
           <p:nvPr>
             <p:ph idx="2" type="sldImg"/>
@@ -1013,6 +1020,7 @@
             <a:ext cx="6096300" cy="3429000"/>
           </a:xfrm>
           <a:custGeom>
+            <a:rect b="b" l="l" r="r" t="t"/>
             <a:pathLst>
               <a:path extrusionOk="0" h="120000" w="120000">
                 <a:moveTo>
@@ -1035,7 +1043,7 @@
       </p:sp>
       <p:sp>
         <p:nvSpPr>
-          <p:cNvPr id="131" name="Shape 131"/>
+          <p:cNvPr id="133" name="Google Shape;133;g3538fb027a_0_32:notes"/>
           <p:cNvSpPr txBox="1"/>
           <p:nvPr>
             <p:ph idx="1" type="body"/>
@@ -1056,7 +1064,7 @@
           </a:bodyPr>
           <a:lstStyle/>
           <a:p>
-            <a:pPr indent="0" lvl="0" marL="0" rtl="0">
+            <a:pPr indent="0" lvl="0" marL="0" rtl="0" algn="l">
               <a:spcBef>
                 <a:spcPts val="0"/>
               </a:spcBef>
@@ -1085,7 +1093,7 @@
   <p:cSld>
     <p:spTree>
       <p:nvGrpSpPr>
-        <p:cNvPr id="136" name="Shape 136"/>
+        <p:cNvPr id="138" name="Shape 138"/>
         <p:cNvGrpSpPr/>
         <p:nvPr/>
       </p:nvGrpSpPr>
@@ -1099,7 +1107,7 @@
       </p:grpSpPr>
       <p:sp>
         <p:nvSpPr>
-          <p:cNvPr id="137" name="Shape 137"/>
+          <p:cNvPr id="139" name="Google Shape;139;g3538fb027a_0_45:notes"/>
           <p:cNvSpPr/>
           <p:nvPr>
             <p:ph idx="2" type="sldImg"/>
@@ -1111,6 +1119,7 @@
             <a:ext cx="6096300" cy="3429000"/>
           </a:xfrm>
           <a:custGeom>
+            <a:rect b="b" l="l" r="r" t="t"/>
             <a:pathLst>
               <a:path extrusionOk="0" h="120000" w="120000">
                 <a:moveTo>
@@ -1133,7 +1142,7 @@
       </p:sp>
       <p:sp>
         <p:nvSpPr>
-          <p:cNvPr id="138" name="Shape 138"/>
+          <p:cNvPr id="140" name="Google Shape;140;g3538fb027a_0_45:notes"/>
           <p:cNvSpPr txBox="1"/>
           <p:nvPr>
             <p:ph idx="1" type="body"/>
@@ -1154,7 +1163,304 @@
           </a:bodyPr>
           <a:lstStyle/>
           <a:p>
-            <a:pPr indent="0" lvl="0" marL="0" rtl="0">
+            <a:pPr indent="0" lvl="0" marL="0" rtl="0" algn="l">
+              <a:spcBef>
+                <a:spcPts val="0"/>
+              </a:spcBef>
+              <a:spcAft>
+                <a:spcPts val="0"/>
+              </a:spcAft>
+              <a:buNone/>
+            </a:pPr>
+            <a:r>
+              <a:t/>
+            </a:r>
+            <a:endParaRPr/>
+          </a:p>
+        </p:txBody>
+      </p:sp>
+    </p:spTree>
+  </p:cSld>
+  <p:clrMapOvr>
+    <a:masterClrMapping/>
+  </p:clrMapOvr>
+</p:notes>
+</file>
+
+<file path=ppt/notesSlides/notesSlide14.xml><?xml version="1.0" encoding="utf-8"?>
+<p:notes xmlns:a="http://schemas.openxmlformats.org/drawingml/2006/main" xmlns:r="http://schemas.openxmlformats.org/officeDocument/2006/relationships" xmlns:mc="http://schemas.openxmlformats.org/markup-compatibility/2006" xmlns:mv="urn:schemas-microsoft-com:mac:vml" xmlns:p="http://schemas.openxmlformats.org/presentationml/2006/main" xmlns:c="http://schemas.openxmlformats.org/drawingml/2006/chart" xmlns:dgm="http://schemas.openxmlformats.org/drawingml/2006/diagram" xmlns:o="urn:schemas-microsoft-com:office:office" xmlns:v="urn:schemas-microsoft-com:vml" xmlns:pvml="urn:schemas-microsoft-com:office:powerpoint" xmlns:com="http://schemas.openxmlformats.org/drawingml/2006/compatibility" xmlns:p14="http://schemas.microsoft.com/office/powerpoint/2010/main" xmlns:p15="http://schemas.microsoft.com/office/powerpoint/2012/main" showMasterPhAnim="0" showMasterSp="0">
+  <p:cSld>
+    <p:spTree>
+      <p:nvGrpSpPr>
+        <p:cNvPr id="145" name="Shape 145"/>
+        <p:cNvGrpSpPr/>
+        <p:nvPr/>
+      </p:nvGrpSpPr>
+      <p:grpSpPr>
+        <a:xfrm>
+          <a:off x="0" y="0"/>
+          <a:ext cx="0" cy="0"/>
+          <a:chOff x="0" y="0"/>
+          <a:chExt cx="0" cy="0"/>
+        </a:xfrm>
+      </p:grpSpPr>
+      <p:sp>
+        <p:nvSpPr>
+          <p:cNvPr id="146" name="Google Shape;146;g3538fb027a_0_14:notes"/>
+          <p:cNvSpPr/>
+          <p:nvPr>
+            <p:ph idx="2" type="sldImg"/>
+          </p:nvPr>
+        </p:nvSpPr>
+        <p:spPr>
+          <a:xfrm>
+            <a:off x="381188" y="685800"/>
+            <a:ext cx="6096300" cy="3429000"/>
+          </a:xfrm>
+          <a:custGeom>
+            <a:rect b="b" l="l" r="r" t="t"/>
+            <a:pathLst>
+              <a:path extrusionOk="0" h="120000" w="120000">
+                <a:moveTo>
+                  <a:pt x="0" y="0"/>
+                </a:moveTo>
+                <a:lnTo>
+                  <a:pt x="120000" y="0"/>
+                </a:lnTo>
+                <a:lnTo>
+                  <a:pt x="120000" y="120000"/>
+                </a:lnTo>
+                <a:lnTo>
+                  <a:pt x="0" y="120000"/>
+                </a:lnTo>
+                <a:close/>
+              </a:path>
+            </a:pathLst>
+          </a:custGeom>
+        </p:spPr>
+      </p:sp>
+      <p:sp>
+        <p:nvSpPr>
+          <p:cNvPr id="147" name="Google Shape;147;g3538fb027a_0_14:notes"/>
+          <p:cNvSpPr txBox="1"/>
+          <p:nvPr>
+            <p:ph idx="1" type="body"/>
+          </p:nvPr>
+        </p:nvSpPr>
+        <p:spPr>
+          <a:xfrm>
+            <a:off x="685800" y="4343400"/>
+            <a:ext cx="5486400" cy="4114800"/>
+          </a:xfrm>
+          <a:prstGeom prst="rect">
+            <a:avLst/>
+          </a:prstGeom>
+        </p:spPr>
+        <p:txBody>
+          <a:bodyPr anchorCtr="0" anchor="t" bIns="91425" lIns="91425" spcFirstLastPara="1" rIns="91425" wrap="square" tIns="91425">
+            <a:noAutofit/>
+          </a:bodyPr>
+          <a:lstStyle/>
+          <a:p>
+            <a:pPr indent="0" lvl="0" marL="0" rtl="0" algn="l">
+              <a:spcBef>
+                <a:spcPts val="0"/>
+              </a:spcBef>
+              <a:spcAft>
+                <a:spcPts val="0"/>
+              </a:spcAft>
+              <a:buNone/>
+            </a:pPr>
+            <a:r>
+              <a:t/>
+            </a:r>
+            <a:endParaRPr/>
+          </a:p>
+        </p:txBody>
+      </p:sp>
+    </p:spTree>
+  </p:cSld>
+  <p:clrMapOvr>
+    <a:masterClrMapping/>
+  </p:clrMapOvr>
+</p:notes>
+</file>
+
+<file path=ppt/notesSlides/notesSlide15.xml><?xml version="1.0" encoding="utf-8"?>
+<p:notes xmlns:a="http://schemas.openxmlformats.org/drawingml/2006/main" xmlns:r="http://schemas.openxmlformats.org/officeDocument/2006/relationships" xmlns:mc="http://schemas.openxmlformats.org/markup-compatibility/2006" xmlns:mv="urn:schemas-microsoft-com:mac:vml" xmlns:p="http://schemas.openxmlformats.org/presentationml/2006/main" xmlns:c="http://schemas.openxmlformats.org/drawingml/2006/chart" xmlns:dgm="http://schemas.openxmlformats.org/drawingml/2006/diagram" xmlns:o="urn:schemas-microsoft-com:office:office" xmlns:v="urn:schemas-microsoft-com:vml" xmlns:pvml="urn:schemas-microsoft-com:office:powerpoint" xmlns:com="http://schemas.openxmlformats.org/drawingml/2006/compatibility" xmlns:p14="http://schemas.microsoft.com/office/powerpoint/2010/main" xmlns:p15="http://schemas.microsoft.com/office/powerpoint/2012/main" showMasterPhAnim="0" showMasterSp="0">
+  <p:cSld>
+    <p:spTree>
+      <p:nvGrpSpPr>
+        <p:cNvPr id="150" name="Shape 150"/>
+        <p:cNvGrpSpPr/>
+        <p:nvPr/>
+      </p:nvGrpSpPr>
+      <p:grpSpPr>
+        <a:xfrm>
+          <a:off x="0" y="0"/>
+          <a:ext cx="0" cy="0"/>
+          <a:chOff x="0" y="0"/>
+          <a:chExt cx="0" cy="0"/>
+        </a:xfrm>
+      </p:grpSpPr>
+      <p:sp>
+        <p:nvSpPr>
+          <p:cNvPr id="151" name="Google Shape;151;g3538fb027a_0_56:notes"/>
+          <p:cNvSpPr/>
+          <p:nvPr>
+            <p:ph idx="2" type="sldImg"/>
+          </p:nvPr>
+        </p:nvSpPr>
+        <p:spPr>
+          <a:xfrm>
+            <a:off x="381188" y="685800"/>
+            <a:ext cx="6096300" cy="3429000"/>
+          </a:xfrm>
+          <a:custGeom>
+            <a:rect b="b" l="l" r="r" t="t"/>
+            <a:pathLst>
+              <a:path extrusionOk="0" h="120000" w="120000">
+                <a:moveTo>
+                  <a:pt x="0" y="0"/>
+                </a:moveTo>
+                <a:lnTo>
+                  <a:pt x="120000" y="0"/>
+                </a:lnTo>
+                <a:lnTo>
+                  <a:pt x="120000" y="120000"/>
+                </a:lnTo>
+                <a:lnTo>
+                  <a:pt x="0" y="120000"/>
+                </a:lnTo>
+                <a:close/>
+              </a:path>
+            </a:pathLst>
+          </a:custGeom>
+        </p:spPr>
+      </p:sp>
+      <p:sp>
+        <p:nvSpPr>
+          <p:cNvPr id="152" name="Google Shape;152;g3538fb027a_0_56:notes"/>
+          <p:cNvSpPr txBox="1"/>
+          <p:nvPr>
+            <p:ph idx="1" type="body"/>
+          </p:nvPr>
+        </p:nvSpPr>
+        <p:spPr>
+          <a:xfrm>
+            <a:off x="685800" y="4343400"/>
+            <a:ext cx="5486400" cy="4114800"/>
+          </a:xfrm>
+          <a:prstGeom prst="rect">
+            <a:avLst/>
+          </a:prstGeom>
+        </p:spPr>
+        <p:txBody>
+          <a:bodyPr anchorCtr="0" anchor="t" bIns="91425" lIns="91425" spcFirstLastPara="1" rIns="91425" wrap="square" tIns="91425">
+            <a:noAutofit/>
+          </a:bodyPr>
+          <a:lstStyle/>
+          <a:p>
+            <a:pPr indent="0" lvl="0" marL="0" rtl="0" algn="l">
+              <a:spcBef>
+                <a:spcPts val="0"/>
+              </a:spcBef>
+              <a:spcAft>
+                <a:spcPts val="0"/>
+              </a:spcAft>
+              <a:buNone/>
+            </a:pPr>
+            <a:r>
+              <a:t/>
+            </a:r>
+            <a:endParaRPr/>
+          </a:p>
+        </p:txBody>
+      </p:sp>
+    </p:spTree>
+  </p:cSld>
+  <p:clrMapOvr>
+    <a:masterClrMapping/>
+  </p:clrMapOvr>
+</p:notes>
+</file>
+
+<file path=ppt/notesSlides/notesSlide16.xml><?xml version="1.0" encoding="utf-8"?>
+<p:notes xmlns:a="http://schemas.openxmlformats.org/drawingml/2006/main" xmlns:r="http://schemas.openxmlformats.org/officeDocument/2006/relationships" xmlns:mc="http://schemas.openxmlformats.org/markup-compatibility/2006" xmlns:mv="urn:schemas-microsoft-com:mac:vml" xmlns:p="http://schemas.openxmlformats.org/presentationml/2006/main" xmlns:c="http://schemas.openxmlformats.org/drawingml/2006/chart" xmlns:dgm="http://schemas.openxmlformats.org/drawingml/2006/diagram" xmlns:o="urn:schemas-microsoft-com:office:office" xmlns:v="urn:schemas-microsoft-com:vml" xmlns:pvml="urn:schemas-microsoft-com:office:powerpoint" xmlns:com="http://schemas.openxmlformats.org/drawingml/2006/compatibility" xmlns:p14="http://schemas.microsoft.com/office/powerpoint/2010/main" xmlns:p15="http://schemas.microsoft.com/office/powerpoint/2012/main" showMasterPhAnim="0" showMasterSp="0">
+  <p:cSld>
+    <p:spTree>
+      <p:nvGrpSpPr>
+        <p:cNvPr id="157" name="Shape 157"/>
+        <p:cNvGrpSpPr/>
+        <p:nvPr/>
+      </p:nvGrpSpPr>
+      <p:grpSpPr>
+        <a:xfrm>
+          <a:off x="0" y="0"/>
+          <a:ext cx="0" cy="0"/>
+          <a:chOff x="0" y="0"/>
+          <a:chExt cx="0" cy="0"/>
+        </a:xfrm>
+      </p:grpSpPr>
+      <p:sp>
+        <p:nvSpPr>
+          <p:cNvPr id="158" name="Google Shape;158;g3538fb027a_0_25:notes"/>
+          <p:cNvSpPr/>
+          <p:nvPr>
+            <p:ph idx="2" type="sldImg"/>
+          </p:nvPr>
+        </p:nvSpPr>
+        <p:spPr>
+          <a:xfrm>
+            <a:off x="381188" y="685800"/>
+            <a:ext cx="6096300" cy="3429000"/>
+          </a:xfrm>
+          <a:custGeom>
+            <a:rect b="b" l="l" r="r" t="t"/>
+            <a:pathLst>
+              <a:path extrusionOk="0" h="120000" w="120000">
+                <a:moveTo>
+                  <a:pt x="0" y="0"/>
+                </a:moveTo>
+                <a:lnTo>
+                  <a:pt x="120000" y="0"/>
+                </a:lnTo>
+                <a:lnTo>
+                  <a:pt x="120000" y="120000"/>
+                </a:lnTo>
+                <a:lnTo>
+                  <a:pt x="0" y="120000"/>
+                </a:lnTo>
+                <a:close/>
+              </a:path>
+            </a:pathLst>
+          </a:custGeom>
+        </p:spPr>
+      </p:sp>
+      <p:sp>
+        <p:nvSpPr>
+          <p:cNvPr id="159" name="Google Shape;159;g3538fb027a_0_25:notes"/>
+          <p:cNvSpPr txBox="1"/>
+          <p:nvPr>
+            <p:ph idx="1" type="body"/>
+          </p:nvPr>
+        </p:nvSpPr>
+        <p:spPr>
+          <a:xfrm>
+            <a:off x="685800" y="4343400"/>
+            <a:ext cx="5486400" cy="4114800"/>
+          </a:xfrm>
+          <a:prstGeom prst="rect">
+            <a:avLst/>
+          </a:prstGeom>
+        </p:spPr>
+        <p:txBody>
+          <a:bodyPr anchorCtr="0" anchor="t" bIns="91425" lIns="91425" spcFirstLastPara="1" rIns="91425" wrap="square" tIns="91425">
+            <a:noAutofit/>
+          </a:bodyPr>
+          <a:lstStyle/>
+          <a:p>
+            <a:pPr indent="0" lvl="0" marL="0" rtl="0" algn="l">
               <a:spcBef>
                 <a:spcPts val="0"/>
               </a:spcBef>
@@ -1197,7 +1503,7 @@
       </p:grpSpPr>
       <p:sp>
         <p:nvSpPr>
-          <p:cNvPr id="70" name="Shape 70"/>
+          <p:cNvPr id="70" name="Google Shape;70;gc6f73a04f_0_9:notes"/>
           <p:cNvSpPr/>
           <p:nvPr>
             <p:ph idx="2" type="sldImg"/>
@@ -1209,6 +1515,7 @@
             <a:ext cx="6096300" cy="3429000"/>
           </a:xfrm>
           <a:custGeom>
+            <a:rect b="b" l="l" r="r" t="t"/>
             <a:pathLst>
               <a:path extrusionOk="0" h="120000" w="120000">
                 <a:moveTo>
@@ -1231,7 +1538,7 @@
       </p:sp>
       <p:sp>
         <p:nvSpPr>
-          <p:cNvPr id="71" name="Shape 71"/>
+          <p:cNvPr id="71" name="Google Shape;71;gc6f73a04f_0_9:notes"/>
           <p:cNvSpPr txBox="1"/>
           <p:nvPr>
             <p:ph idx="1" type="body"/>
@@ -1252,7 +1559,7 @@
           </a:bodyPr>
           <a:lstStyle/>
           <a:p>
-            <a:pPr indent="0" lvl="0" marL="0">
+            <a:pPr indent="0" lvl="0" marL="0" rtl="0" algn="l">
               <a:spcBef>
                 <a:spcPts val="0"/>
               </a:spcBef>
@@ -1295,7 +1602,7 @@
       </p:grpSpPr>
       <p:sp>
         <p:nvSpPr>
-          <p:cNvPr id="76" name="Shape 76"/>
+          <p:cNvPr id="76" name="Google Shape;76;g3538fb027a_0_0:notes"/>
           <p:cNvSpPr/>
           <p:nvPr>
             <p:ph idx="2" type="sldImg"/>
@@ -1307,6 +1614,7 @@
             <a:ext cx="6096300" cy="3429000"/>
           </a:xfrm>
           <a:custGeom>
+            <a:rect b="b" l="l" r="r" t="t"/>
             <a:pathLst>
               <a:path extrusionOk="0" h="120000" w="120000">
                 <a:moveTo>
@@ -1329,7 +1637,7 @@
       </p:sp>
       <p:sp>
         <p:nvSpPr>
-          <p:cNvPr id="77" name="Shape 77"/>
+          <p:cNvPr id="77" name="Google Shape;77;g3538fb027a_0_0:notes"/>
           <p:cNvSpPr txBox="1"/>
           <p:nvPr>
             <p:ph idx="1" type="body"/>
@@ -1350,7 +1658,7 @@
           </a:bodyPr>
           <a:lstStyle/>
           <a:p>
-            <a:pPr indent="0" lvl="0" marL="0" rtl="0">
+            <a:pPr indent="0" lvl="0" marL="0" rtl="0" algn="l">
               <a:spcBef>
                 <a:spcPts val="0"/>
               </a:spcBef>
@@ -1393,7 +1701,7 @@
       </p:grpSpPr>
       <p:sp>
         <p:nvSpPr>
-          <p:cNvPr id="81" name="Shape 81"/>
+          <p:cNvPr id="81" name="Google Shape;81;gc6f73a04f_0_14:notes"/>
           <p:cNvSpPr/>
           <p:nvPr>
             <p:ph idx="2" type="sldImg"/>
@@ -1405,6 +1713,7 @@
             <a:ext cx="6096300" cy="3429000"/>
           </a:xfrm>
           <a:custGeom>
+            <a:rect b="b" l="l" r="r" t="t"/>
             <a:pathLst>
               <a:path extrusionOk="0" h="120000" w="120000">
                 <a:moveTo>
@@ -1427,7 +1736,7 @@
       </p:sp>
       <p:sp>
         <p:nvSpPr>
-          <p:cNvPr id="82" name="Shape 82"/>
+          <p:cNvPr id="82" name="Google Shape;82;gc6f73a04f_0_14:notes"/>
           <p:cNvSpPr txBox="1"/>
           <p:nvPr>
             <p:ph idx="1" type="body"/>
@@ -1448,7 +1757,7 @@
           </a:bodyPr>
           <a:lstStyle/>
           <a:p>
-            <a:pPr indent="0" lvl="0" marL="0">
+            <a:pPr indent="0" lvl="0" marL="0" rtl="0" algn="l">
               <a:spcBef>
                 <a:spcPts val="0"/>
               </a:spcBef>
@@ -1491,7 +1800,7 @@
       </p:grpSpPr>
       <p:sp>
         <p:nvSpPr>
-          <p:cNvPr id="87" name="Shape 87"/>
+          <p:cNvPr id="87" name="Google Shape;87;g3538fb027a_0_4:notes"/>
           <p:cNvSpPr/>
           <p:nvPr>
             <p:ph idx="2" type="sldImg"/>
@@ -1503,6 +1812,7 @@
             <a:ext cx="6096300" cy="3429000"/>
           </a:xfrm>
           <a:custGeom>
+            <a:rect b="b" l="l" r="r" t="t"/>
             <a:pathLst>
               <a:path extrusionOk="0" h="120000" w="120000">
                 <a:moveTo>
@@ -1525,7 +1835,7 @@
       </p:sp>
       <p:sp>
         <p:nvSpPr>
-          <p:cNvPr id="88" name="Shape 88"/>
+          <p:cNvPr id="88" name="Google Shape;88;g3538fb027a_0_4:notes"/>
           <p:cNvSpPr txBox="1"/>
           <p:nvPr>
             <p:ph idx="1" type="body"/>
@@ -1546,7 +1856,7 @@
           </a:bodyPr>
           <a:lstStyle/>
           <a:p>
-            <a:pPr indent="0" lvl="0" marL="0" rtl="0">
+            <a:pPr indent="0" lvl="0" marL="0" rtl="0" algn="l">
               <a:spcBef>
                 <a:spcPts val="0"/>
               </a:spcBef>
@@ -1589,7 +1899,7 @@
       </p:grpSpPr>
       <p:sp>
         <p:nvSpPr>
-          <p:cNvPr id="94" name="Shape 94"/>
+          <p:cNvPr id="94" name="Google Shape;94;g44db6fa997_0_0:notes"/>
           <p:cNvSpPr/>
           <p:nvPr>
             <p:ph idx="2" type="sldImg"/>
@@ -1597,10 +1907,11 @@
         </p:nvSpPr>
         <p:spPr>
           <a:xfrm>
-            <a:off x="381188" y="685800"/>
-            <a:ext cx="6096300" cy="3429000"/>
+            <a:off x="381300" y="685800"/>
+            <a:ext cx="6096000" cy="3429000"/>
           </a:xfrm>
           <a:custGeom>
+            <a:rect b="b" l="l" r="r" t="t"/>
             <a:pathLst>
               <a:path extrusionOk="0" h="120000" w="120000">
                 <a:moveTo>
@@ -1623,7 +1934,7 @@
       </p:sp>
       <p:sp>
         <p:nvSpPr>
-          <p:cNvPr id="95" name="Shape 95"/>
+          <p:cNvPr id="95" name="Google Shape;95;g44db6fa997_0_0:notes"/>
           <p:cNvSpPr txBox="1"/>
           <p:nvPr>
             <p:ph idx="1" type="body"/>
@@ -1644,7 +1955,7 @@
           </a:bodyPr>
           <a:lstStyle/>
           <a:p>
-            <a:pPr indent="0" lvl="0" marL="0">
+            <a:pPr indent="0" lvl="0" marL="0" rtl="0" algn="l">
               <a:spcBef>
                 <a:spcPts val="0"/>
               </a:spcBef>
@@ -1673,7 +1984,7 @@
   <p:cSld>
     <p:spTree>
       <p:nvGrpSpPr>
-        <p:cNvPr id="98" name="Shape 98"/>
+        <p:cNvPr id="100" name="Shape 100"/>
         <p:cNvGrpSpPr/>
         <p:nvPr/>
       </p:nvGrpSpPr>
@@ -1687,7 +1998,7 @@
       </p:grpSpPr>
       <p:sp>
         <p:nvSpPr>
-          <p:cNvPr id="99" name="Shape 99"/>
+          <p:cNvPr id="101" name="Google Shape;101;gc6f73a04f_0_5:notes"/>
           <p:cNvSpPr/>
           <p:nvPr>
             <p:ph idx="2" type="sldImg"/>
@@ -1699,6 +2010,7 @@
             <a:ext cx="6096300" cy="3429000"/>
           </a:xfrm>
           <a:custGeom>
+            <a:rect b="b" l="l" r="r" t="t"/>
             <a:pathLst>
               <a:path extrusionOk="0" h="120000" w="120000">
                 <a:moveTo>
@@ -1721,7 +2033,7 @@
       </p:sp>
       <p:sp>
         <p:nvSpPr>
-          <p:cNvPr id="100" name="Shape 100"/>
+          <p:cNvPr id="102" name="Google Shape;102;gc6f73a04f_0_5:notes"/>
           <p:cNvSpPr txBox="1"/>
           <p:nvPr>
             <p:ph idx="1" type="body"/>
@@ -1742,7 +2054,7 @@
           </a:bodyPr>
           <a:lstStyle/>
           <a:p>
-            <a:pPr indent="0" lvl="0" marL="0" rtl="0">
+            <a:pPr indent="0" lvl="0" marL="0" rtl="0" algn="l">
               <a:spcBef>
                 <a:spcPts val="0"/>
               </a:spcBef>
@@ -1785,7 +2097,7 @@
       </p:grpSpPr>
       <p:sp>
         <p:nvSpPr>
-          <p:cNvPr id="106" name="Shape 106"/>
+          <p:cNvPr id="106" name="Google Shape;106;g3538fb027a_0_51:notes"/>
           <p:cNvSpPr/>
           <p:nvPr>
             <p:ph idx="2" type="sldImg"/>
@@ -1797,6 +2109,7 @@
             <a:ext cx="6096300" cy="3429000"/>
           </a:xfrm>
           <a:custGeom>
+            <a:rect b="b" l="l" r="r" t="t"/>
             <a:pathLst>
               <a:path extrusionOk="0" h="120000" w="120000">
                 <a:moveTo>
@@ -1819,7 +2132,7 @@
       </p:sp>
       <p:sp>
         <p:nvSpPr>
-          <p:cNvPr id="107" name="Shape 107"/>
+          <p:cNvPr id="107" name="Google Shape;107;g3538fb027a_0_51:notes"/>
           <p:cNvSpPr txBox="1"/>
           <p:nvPr>
             <p:ph idx="1" type="body"/>
@@ -1840,7 +2153,7 @@
           </a:bodyPr>
           <a:lstStyle/>
           <a:p>
-            <a:pPr indent="0" lvl="0" marL="0" rtl="0">
+            <a:pPr indent="0" lvl="0" marL="0" rtl="0" algn="l">
               <a:spcBef>
                 <a:spcPts val="0"/>
               </a:spcBef>
@@ -1869,7 +2182,7 @@
   <p:cSld>
     <p:spTree>
       <p:nvGrpSpPr>
-        <p:cNvPr id="110" name="Shape 110"/>
+        <p:cNvPr id="112" name="Shape 112"/>
         <p:cNvGrpSpPr/>
         <p:nvPr/>
       </p:nvGrpSpPr>
@@ -1883,7 +2196,7 @@
       </p:grpSpPr>
       <p:sp>
         <p:nvSpPr>
-          <p:cNvPr id="111" name="Shape 111"/>
+          <p:cNvPr id="113" name="Google Shape;113;g44db6fa997_0_6:notes"/>
           <p:cNvSpPr/>
           <p:nvPr>
             <p:ph idx="2" type="sldImg"/>
@@ -1895,6 +2208,7 @@
             <a:ext cx="6096300" cy="3429000"/>
           </a:xfrm>
           <a:custGeom>
+            <a:rect b="b" l="l" r="r" t="t"/>
             <a:pathLst>
               <a:path extrusionOk="0" h="120000" w="120000">
                 <a:moveTo>
@@ -1917,7 +2231,7 @@
       </p:sp>
       <p:sp>
         <p:nvSpPr>
-          <p:cNvPr id="112" name="Shape 112"/>
+          <p:cNvPr id="114" name="Google Shape;114;g44db6fa997_0_6:notes"/>
           <p:cNvSpPr txBox="1"/>
           <p:nvPr>
             <p:ph idx="1" type="body"/>
@@ -1938,7 +2252,7 @@
           </a:bodyPr>
           <a:lstStyle/>
           <a:p>
-            <a:pPr indent="0" lvl="0" marL="0" rtl="0">
+            <a:pPr indent="0" lvl="0" marL="0" rtl="0" algn="l">
               <a:spcBef>
                 <a:spcPts val="0"/>
               </a:spcBef>
@@ -1981,7 +2295,7 @@
       </p:grpSpPr>
       <p:sp>
         <p:nvSpPr>
-          <p:cNvPr id="10" name="Shape 10"/>
+          <p:cNvPr id="10" name="Google Shape;10;p2"/>
           <p:cNvSpPr/>
           <p:nvPr/>
         </p:nvSpPr>
@@ -2006,7 +2320,7 @@
           </a:bodyPr>
           <a:lstStyle/>
           <a:p>
-            <a:pPr indent="0" lvl="0" marL="0">
+            <a:pPr indent="0" lvl="0" marL="0" rtl="0" algn="l">
               <a:spcBef>
                 <a:spcPts val="0"/>
               </a:spcBef>
@@ -2024,7 +2338,7 @@
       </p:sp>
       <p:sp>
         <p:nvSpPr>
-          <p:cNvPr id="11" name="Shape 11"/>
+          <p:cNvPr id="11" name="Google Shape;11;p2"/>
           <p:cNvSpPr/>
           <p:nvPr/>
         </p:nvSpPr>
@@ -2053,7 +2367,7 @@
           </a:bodyPr>
           <a:lstStyle/>
           <a:p>
-            <a:pPr indent="0" lvl="0" marL="0">
+            <a:pPr indent="0" lvl="0" marL="0" rtl="0" algn="l">
               <a:spcBef>
                 <a:spcPts val="0"/>
               </a:spcBef>
@@ -2071,7 +2385,7 @@
       </p:sp>
       <p:sp>
         <p:nvSpPr>
-          <p:cNvPr id="12" name="Shape 12"/>
+          <p:cNvPr id="12" name="Google Shape;12;p2"/>
           <p:cNvSpPr txBox="1"/>
           <p:nvPr>
             <p:ph type="ctrTitle"/>
@@ -2194,7 +2508,7 @@
       </p:sp>
       <p:sp>
         <p:nvSpPr>
-          <p:cNvPr id="13" name="Shape 13"/>
+          <p:cNvPr id="13" name="Google Shape;13;p2"/>
           <p:cNvSpPr txBox="1"/>
           <p:nvPr>
             <p:ph idx="1" type="subTitle"/>
@@ -2407,7 +2721,7 @@
       </p:sp>
       <p:sp>
         <p:nvSpPr>
-          <p:cNvPr id="14" name="Shape 14"/>
+          <p:cNvPr id="14" name="Google Shape;14;p2"/>
           <p:cNvSpPr txBox="1"/>
           <p:nvPr>
             <p:ph idx="12" type="sldNum"/>
@@ -2465,7 +2779,7 @@
             </a:lvl9pPr>
           </a:lstStyle>
           <a:p>
-            <a:pPr indent="0" lvl="0" marL="0">
+            <a:pPr indent="0" lvl="0" marL="0" rtl="0" algn="r">
               <a:spcBef>
                 <a:spcPts val="0"/>
               </a:spcBef>
@@ -2516,10 +2830,10 @@
       </p:grpSpPr>
       <p:sp>
         <p:nvSpPr>
-          <p:cNvPr id="58" name="Shape 58"/>
+          <p:cNvPr id="58" name="Google Shape;58;p11"/>
           <p:cNvSpPr txBox="1"/>
           <p:nvPr>
-            <p:ph type="title"/>
+            <p:ph hasCustomPrompt="1" type="title"/>
           </p:nvPr>
         </p:nvSpPr>
         <p:spPr>
@@ -2697,12 +3011,16 @@
               </a:defRPr>
             </a:lvl9pPr>
           </a:lstStyle>
-          <a:p/>
+          <a:p>
+            <a:r>
+              <a:t>xx%</a:t>
+            </a:r>
+          </a:p>
         </p:txBody>
       </p:sp>
       <p:sp>
         <p:nvSpPr>
-          <p:cNvPr id="59" name="Shape 59"/>
+          <p:cNvPr id="59" name="Google Shape;59;p11"/>
           <p:cNvSpPr txBox="1"/>
           <p:nvPr>
             <p:ph idx="1" type="body"/>
@@ -2825,7 +3143,7 @@
       </p:sp>
       <p:sp>
         <p:nvSpPr>
-          <p:cNvPr id="60" name="Shape 60"/>
+          <p:cNvPr id="60" name="Google Shape;60;p11"/>
           <p:cNvSpPr txBox="1"/>
           <p:nvPr>
             <p:ph idx="12" type="sldNum"/>
@@ -2883,7 +3201,7 @@
             </a:lvl9pPr>
           </a:lstStyle>
           <a:p>
-            <a:pPr indent="0" lvl="0" marL="0">
+            <a:pPr indent="0" lvl="0" marL="0" rtl="0" algn="r">
               <a:spcBef>
                 <a:spcPts val="0"/>
               </a:spcBef>
@@ -2934,7 +3252,7 @@
       </p:grpSpPr>
       <p:sp>
         <p:nvSpPr>
-          <p:cNvPr id="62" name="Shape 62"/>
+          <p:cNvPr id="62" name="Google Shape;62;p12"/>
           <p:cNvSpPr txBox="1"/>
           <p:nvPr>
             <p:ph idx="12" type="sldNum"/>
@@ -2992,7 +3310,7 @@
             </a:lvl9pPr>
           </a:lstStyle>
           <a:p>
-            <a:pPr indent="0" lvl="0" marL="0">
+            <a:pPr indent="0" lvl="0" marL="0" rtl="0" algn="r">
               <a:spcBef>
                 <a:spcPts val="0"/>
               </a:spcBef>
@@ -3036,7 +3354,7 @@
       </p:grpSpPr>
       <p:sp>
         <p:nvSpPr>
-          <p:cNvPr id="16" name="Shape 16"/>
+          <p:cNvPr id="16" name="Google Shape;16;p3"/>
           <p:cNvSpPr txBox="1"/>
           <p:nvPr>
             <p:ph type="title"/>
@@ -3159,7 +3477,7 @@
       </p:sp>
       <p:sp>
         <p:nvSpPr>
-          <p:cNvPr id="17" name="Shape 17"/>
+          <p:cNvPr id="17" name="Google Shape;17;p3"/>
           <p:cNvSpPr txBox="1"/>
           <p:nvPr>
             <p:ph idx="12" type="sldNum"/>
@@ -3253,7 +3571,7 @@
             </a:lvl9pPr>
           </a:lstStyle>
           <a:p>
-            <a:pPr indent="0" lvl="0" marL="0">
+            <a:pPr indent="0" lvl="0" marL="0" rtl="0" algn="r">
               <a:spcBef>
                 <a:spcPts val="0"/>
               </a:spcBef>
@@ -3297,7 +3615,7 @@
       </p:grpSpPr>
       <p:sp>
         <p:nvSpPr>
-          <p:cNvPr id="19" name="Shape 19"/>
+          <p:cNvPr id="19" name="Google Shape;19;p4"/>
           <p:cNvSpPr/>
           <p:nvPr/>
         </p:nvSpPr>
@@ -3322,7 +3640,7 @@
           </a:bodyPr>
           <a:lstStyle/>
           <a:p>
-            <a:pPr indent="0" lvl="0" marL="0">
+            <a:pPr indent="0" lvl="0" marL="0" rtl="0" algn="l">
               <a:spcBef>
                 <a:spcPts val="0"/>
               </a:spcBef>
@@ -3340,7 +3658,7 @@
       </p:sp>
       <p:sp>
         <p:nvSpPr>
-          <p:cNvPr id="20" name="Shape 20"/>
+          <p:cNvPr id="20" name="Google Shape;20;p4"/>
           <p:cNvSpPr/>
           <p:nvPr/>
         </p:nvSpPr>
@@ -3379,7 +3697,7 @@
           </a:bodyPr>
           <a:lstStyle/>
           <a:p>
-            <a:pPr indent="0" lvl="0" marL="0">
+            <a:pPr indent="0" lvl="0" marL="0" rtl="0" algn="l">
               <a:spcBef>
                 <a:spcPts val="0"/>
               </a:spcBef>
@@ -3397,7 +3715,7 @@
       </p:sp>
       <p:sp>
         <p:nvSpPr>
-          <p:cNvPr id="21" name="Shape 21"/>
+          <p:cNvPr id="21" name="Google Shape;21;p4"/>
           <p:cNvSpPr txBox="1"/>
           <p:nvPr>
             <p:ph type="title"/>
@@ -3520,7 +3838,7 @@
       </p:sp>
       <p:sp>
         <p:nvSpPr>
-          <p:cNvPr id="22" name="Shape 22"/>
+          <p:cNvPr id="22" name="Google Shape;22;p4"/>
           <p:cNvSpPr txBox="1"/>
           <p:nvPr>
             <p:ph idx="1" type="body"/>
@@ -3643,7 +3961,7 @@
       </p:sp>
       <p:sp>
         <p:nvSpPr>
-          <p:cNvPr id="23" name="Shape 23"/>
+          <p:cNvPr id="23" name="Google Shape;23;p4"/>
           <p:cNvSpPr txBox="1"/>
           <p:nvPr>
             <p:ph idx="12" type="sldNum"/>
@@ -3701,7 +4019,7 @@
             </a:lvl9pPr>
           </a:lstStyle>
           <a:p>
-            <a:pPr indent="0" lvl="0" marL="0">
+            <a:pPr indent="0" lvl="0" marL="0" rtl="0" algn="r">
               <a:spcBef>
                 <a:spcPts val="0"/>
               </a:spcBef>
@@ -3745,7 +4063,7 @@
       </p:grpSpPr>
       <p:sp>
         <p:nvSpPr>
-          <p:cNvPr id="25" name="Shape 25"/>
+          <p:cNvPr id="25" name="Google Shape;25;p5"/>
           <p:cNvSpPr/>
           <p:nvPr/>
         </p:nvSpPr>
@@ -3770,7 +4088,7 @@
           </a:bodyPr>
           <a:lstStyle/>
           <a:p>
-            <a:pPr indent="0" lvl="0" marL="0">
+            <a:pPr indent="0" lvl="0" marL="0" rtl="0" algn="l">
               <a:spcBef>
                 <a:spcPts val="0"/>
               </a:spcBef>
@@ -3788,7 +4106,7 @@
       </p:sp>
       <p:sp>
         <p:nvSpPr>
-          <p:cNvPr id="26" name="Shape 26"/>
+          <p:cNvPr id="26" name="Google Shape;26;p5"/>
           <p:cNvSpPr/>
           <p:nvPr/>
         </p:nvSpPr>
@@ -3827,7 +4145,7 @@
           </a:bodyPr>
           <a:lstStyle/>
           <a:p>
-            <a:pPr indent="0" lvl="0" marL="0">
+            <a:pPr indent="0" lvl="0" marL="0" rtl="0" algn="l">
               <a:spcBef>
                 <a:spcPts val="0"/>
               </a:spcBef>
@@ -3845,7 +4163,7 @@
       </p:sp>
       <p:sp>
         <p:nvSpPr>
-          <p:cNvPr id="27" name="Shape 27"/>
+          <p:cNvPr id="27" name="Google Shape;27;p5"/>
           <p:cNvSpPr txBox="1"/>
           <p:nvPr>
             <p:ph type="title"/>
@@ -3968,7 +4286,7 @@
       </p:sp>
       <p:sp>
         <p:nvSpPr>
-          <p:cNvPr id="28" name="Shape 28"/>
+          <p:cNvPr id="28" name="Google Shape;28;p5"/>
           <p:cNvSpPr txBox="1"/>
           <p:nvPr>
             <p:ph idx="1" type="body"/>
@@ -4091,7 +4409,7 @@
       </p:sp>
       <p:sp>
         <p:nvSpPr>
-          <p:cNvPr id="29" name="Shape 29"/>
+          <p:cNvPr id="29" name="Google Shape;29;p5"/>
           <p:cNvSpPr txBox="1"/>
           <p:nvPr>
             <p:ph idx="2" type="body"/>
@@ -4214,7 +4532,7 @@
       </p:sp>
       <p:sp>
         <p:nvSpPr>
-          <p:cNvPr id="30" name="Shape 30"/>
+          <p:cNvPr id="30" name="Google Shape;30;p5"/>
           <p:cNvSpPr txBox="1"/>
           <p:nvPr>
             <p:ph idx="12" type="sldNum"/>
@@ -4272,7 +4590,7 @@
             </a:lvl9pPr>
           </a:lstStyle>
           <a:p>
-            <a:pPr indent="0" lvl="0" marL="0">
+            <a:pPr indent="0" lvl="0" marL="0" rtl="0" algn="r">
               <a:spcBef>
                 <a:spcPts val="0"/>
               </a:spcBef>
@@ -4316,7 +4634,7 @@
       </p:grpSpPr>
       <p:sp>
         <p:nvSpPr>
-          <p:cNvPr id="32" name="Shape 32"/>
+          <p:cNvPr id="32" name="Google Shape;32;p6"/>
           <p:cNvSpPr/>
           <p:nvPr/>
         </p:nvSpPr>
@@ -4341,7 +4659,7 @@
           </a:bodyPr>
           <a:lstStyle/>
           <a:p>
-            <a:pPr indent="0" lvl="0" marL="0">
+            <a:pPr indent="0" lvl="0" marL="0" rtl="0" algn="l">
               <a:spcBef>
                 <a:spcPts val="0"/>
               </a:spcBef>
@@ -4359,7 +4677,7 @@
       </p:sp>
       <p:sp>
         <p:nvSpPr>
-          <p:cNvPr id="33" name="Shape 33"/>
+          <p:cNvPr id="33" name="Google Shape;33;p6"/>
           <p:cNvSpPr/>
           <p:nvPr/>
         </p:nvSpPr>
@@ -4398,7 +4716,7 @@
           </a:bodyPr>
           <a:lstStyle/>
           <a:p>
-            <a:pPr indent="0" lvl="0" marL="0">
+            <a:pPr indent="0" lvl="0" marL="0" rtl="0" algn="l">
               <a:spcBef>
                 <a:spcPts val="0"/>
               </a:spcBef>
@@ -4416,7 +4734,7 @@
       </p:sp>
       <p:sp>
         <p:nvSpPr>
-          <p:cNvPr id="34" name="Shape 34"/>
+          <p:cNvPr id="34" name="Google Shape;34;p6"/>
           <p:cNvSpPr txBox="1"/>
           <p:nvPr>
             <p:ph type="title"/>
@@ -4539,7 +4857,7 @@
       </p:sp>
       <p:sp>
         <p:nvSpPr>
-          <p:cNvPr id="35" name="Shape 35"/>
+          <p:cNvPr id="35" name="Google Shape;35;p6"/>
           <p:cNvSpPr txBox="1"/>
           <p:nvPr>
             <p:ph idx="12" type="sldNum"/>
@@ -4597,7 +4915,7 @@
             </a:lvl9pPr>
           </a:lstStyle>
           <a:p>
-            <a:pPr indent="0" lvl="0" marL="0">
+            <a:pPr indent="0" lvl="0" marL="0" rtl="0" algn="r">
               <a:spcBef>
                 <a:spcPts val="0"/>
               </a:spcBef>
@@ -4641,7 +4959,7 @@
       </p:grpSpPr>
       <p:sp>
         <p:nvSpPr>
-          <p:cNvPr id="37" name="Shape 37"/>
+          <p:cNvPr id="37" name="Google Shape;37;p7"/>
           <p:cNvSpPr txBox="1"/>
           <p:nvPr/>
         </p:nvSpPr>
@@ -4666,7 +4984,7 @@
           </a:bodyPr>
           <a:lstStyle/>
           <a:p>
-            <a:pPr indent="0" lvl="0" marL="0">
+            <a:pPr indent="0" lvl="0" marL="0" rtl="0" algn="l">
               <a:spcBef>
                 <a:spcPts val="0"/>
               </a:spcBef>
@@ -4684,7 +5002,7 @@
       </p:sp>
       <p:sp>
         <p:nvSpPr>
-          <p:cNvPr id="38" name="Shape 38"/>
+          <p:cNvPr id="38" name="Google Shape;38;p7"/>
           <p:cNvSpPr/>
           <p:nvPr/>
         </p:nvSpPr>
@@ -4723,7 +5041,7 @@
           </a:bodyPr>
           <a:lstStyle/>
           <a:p>
-            <a:pPr indent="0" lvl="0" marL="0">
+            <a:pPr indent="0" lvl="0" marL="0" rtl="0" algn="l">
               <a:spcBef>
                 <a:spcPts val="0"/>
               </a:spcBef>
@@ -4741,7 +5059,7 @@
       </p:sp>
       <p:sp>
         <p:nvSpPr>
-          <p:cNvPr id="39" name="Shape 39"/>
+          <p:cNvPr id="39" name="Google Shape;39;p7"/>
           <p:cNvSpPr txBox="1"/>
           <p:nvPr>
             <p:ph type="title"/>
@@ -4864,7 +5182,7 @@
       </p:sp>
       <p:sp>
         <p:nvSpPr>
-          <p:cNvPr id="40" name="Shape 40"/>
+          <p:cNvPr id="40" name="Google Shape;40;p7"/>
           <p:cNvSpPr txBox="1"/>
           <p:nvPr>
             <p:ph idx="1" type="body"/>
@@ -5050,7 +5368,7 @@
       </p:sp>
       <p:sp>
         <p:nvSpPr>
-          <p:cNvPr id="41" name="Shape 41"/>
+          <p:cNvPr id="41" name="Google Shape;41;p7"/>
           <p:cNvSpPr txBox="1"/>
           <p:nvPr>
             <p:ph idx="12" type="sldNum"/>
@@ -5108,7 +5426,7 @@
             </a:lvl9pPr>
           </a:lstStyle>
           <a:p>
-            <a:pPr indent="0" lvl="0" marL="0">
+            <a:pPr indent="0" lvl="0" marL="0" rtl="0" algn="r">
               <a:spcBef>
                 <a:spcPts val="0"/>
               </a:spcBef>
@@ -5152,7 +5470,7 @@
       </p:grpSpPr>
       <p:sp>
         <p:nvSpPr>
-          <p:cNvPr id="43" name="Shape 43"/>
+          <p:cNvPr id="43" name="Google Shape;43;p8"/>
           <p:cNvSpPr txBox="1"/>
           <p:nvPr>
             <p:ph type="title"/>
@@ -5275,7 +5593,7 @@
       </p:sp>
       <p:sp>
         <p:nvSpPr>
-          <p:cNvPr id="44" name="Shape 44"/>
+          <p:cNvPr id="44" name="Google Shape;44;p8"/>
           <p:cNvSpPr txBox="1"/>
           <p:nvPr>
             <p:ph idx="12" type="sldNum"/>
@@ -5369,7 +5687,7 @@
             </a:lvl9pPr>
           </a:lstStyle>
           <a:p>
-            <a:pPr indent="0" lvl="0" marL="0">
+            <a:pPr indent="0" lvl="0" marL="0" rtl="0" algn="r">
               <a:spcBef>
                 <a:spcPts val="0"/>
               </a:spcBef>
@@ -5413,7 +5731,7 @@
       </p:grpSpPr>
       <p:sp>
         <p:nvSpPr>
-          <p:cNvPr id="46" name="Shape 46"/>
+          <p:cNvPr id="46" name="Google Shape;46;p9"/>
           <p:cNvSpPr/>
           <p:nvPr/>
         </p:nvSpPr>
@@ -5438,7 +5756,7 @@
           </a:bodyPr>
           <a:lstStyle/>
           <a:p>
-            <a:pPr indent="0" lvl="0" marL="0">
+            <a:pPr indent="0" lvl="0" marL="0" rtl="0" algn="l">
               <a:spcBef>
                 <a:spcPts val="0"/>
               </a:spcBef>
@@ -5456,7 +5774,7 @@
       </p:sp>
       <p:sp>
         <p:nvSpPr>
-          <p:cNvPr id="47" name="Shape 47"/>
+          <p:cNvPr id="47" name="Google Shape;47;p9"/>
           <p:cNvSpPr/>
           <p:nvPr/>
         </p:nvSpPr>
@@ -5495,7 +5813,7 @@
           </a:bodyPr>
           <a:lstStyle/>
           <a:p>
-            <a:pPr indent="0" lvl="0" marL="0">
+            <a:pPr indent="0" lvl="0" marL="0" rtl="0" algn="l">
               <a:spcBef>
                 <a:spcPts val="0"/>
               </a:spcBef>
@@ -5513,7 +5831,7 @@
       </p:sp>
       <p:sp>
         <p:nvSpPr>
-          <p:cNvPr id="48" name="Shape 48"/>
+          <p:cNvPr id="48" name="Google Shape;48;p9"/>
           <p:cNvSpPr txBox="1"/>
           <p:nvPr>
             <p:ph type="title"/>
@@ -5699,7 +6017,7 @@
       </p:sp>
       <p:sp>
         <p:nvSpPr>
-          <p:cNvPr id="49" name="Shape 49"/>
+          <p:cNvPr id="49" name="Google Shape;49;p9"/>
           <p:cNvSpPr txBox="1"/>
           <p:nvPr>
             <p:ph idx="1" type="subTitle"/>
@@ -5849,7 +6167,7 @@
       </p:sp>
       <p:sp>
         <p:nvSpPr>
-          <p:cNvPr id="50" name="Shape 50"/>
+          <p:cNvPr id="50" name="Google Shape;50;p9"/>
           <p:cNvSpPr txBox="1"/>
           <p:nvPr>
             <p:ph idx="2" type="body"/>
@@ -6035,7 +6353,7 @@
       </p:sp>
       <p:sp>
         <p:nvSpPr>
-          <p:cNvPr id="51" name="Shape 51"/>
+          <p:cNvPr id="51" name="Google Shape;51;p9"/>
           <p:cNvSpPr txBox="1"/>
           <p:nvPr>
             <p:ph idx="12" type="sldNum"/>
@@ -6129,7 +6447,7 @@
             </a:lvl9pPr>
           </a:lstStyle>
           <a:p>
-            <a:pPr indent="0" lvl="0" marL="0">
+            <a:pPr indent="0" lvl="0" marL="0" rtl="0" algn="r">
               <a:spcBef>
                 <a:spcPts val="0"/>
               </a:spcBef>
@@ -6173,7 +6491,7 @@
       </p:grpSpPr>
       <p:sp>
         <p:nvSpPr>
-          <p:cNvPr id="53" name="Shape 53"/>
+          <p:cNvPr id="53" name="Google Shape;53;p10"/>
           <p:cNvSpPr txBox="1"/>
           <p:nvPr/>
         </p:nvSpPr>
@@ -6198,7 +6516,7 @@
           </a:bodyPr>
           <a:lstStyle/>
           <a:p>
-            <a:pPr indent="0" lvl="0" marL="0">
+            <a:pPr indent="0" lvl="0" marL="0" rtl="0" algn="l">
               <a:spcBef>
                 <a:spcPts val="0"/>
               </a:spcBef>
@@ -6216,7 +6534,7 @@
       </p:sp>
       <p:sp>
         <p:nvSpPr>
-          <p:cNvPr id="54" name="Shape 54"/>
+          <p:cNvPr id="54" name="Google Shape;54;p10"/>
           <p:cNvSpPr/>
           <p:nvPr/>
         </p:nvSpPr>
@@ -6255,7 +6573,7 @@
           </a:bodyPr>
           <a:lstStyle/>
           <a:p>
-            <a:pPr indent="0" lvl="0" marL="0">
+            <a:pPr indent="0" lvl="0" marL="0" rtl="0" algn="l">
               <a:spcBef>
                 <a:spcPts val="0"/>
               </a:spcBef>
@@ -6273,7 +6591,7 @@
       </p:sp>
       <p:sp>
         <p:nvSpPr>
-          <p:cNvPr id="55" name="Shape 55"/>
+          <p:cNvPr id="55" name="Google Shape;55;p10"/>
           <p:cNvSpPr txBox="1"/>
           <p:nvPr>
             <p:ph idx="1" type="body"/>
@@ -6318,7 +6636,7 @@
       </p:sp>
       <p:sp>
         <p:nvSpPr>
-          <p:cNvPr id="56" name="Shape 56"/>
+          <p:cNvPr id="56" name="Google Shape;56;p10"/>
           <p:cNvSpPr txBox="1"/>
           <p:nvPr>
             <p:ph idx="12" type="sldNum"/>
@@ -6412,7 +6730,7 @@
             </a:lvl9pPr>
           </a:lstStyle>
           <a:p>
-            <a:pPr indent="0" lvl="0" marL="0">
+            <a:pPr indent="0" lvl="0" marL="0" rtl="0" algn="r">
               <a:spcBef>
                 <a:spcPts val="0"/>
               </a:spcBef>
@@ -6463,7 +6781,7 @@
       </p:grpSpPr>
       <p:sp>
         <p:nvSpPr>
-          <p:cNvPr id="6" name="Shape 6"/>
+          <p:cNvPr id="6" name="Google Shape;6;p1"/>
           <p:cNvSpPr txBox="1"/>
           <p:nvPr>
             <p:ph type="title"/>
@@ -6698,7 +7016,7 @@
       </p:sp>
       <p:sp>
         <p:nvSpPr>
-          <p:cNvPr id="7" name="Shape 7"/>
+          <p:cNvPr id="7" name="Google Shape;7;p1"/>
           <p:cNvSpPr txBox="1"/>
           <p:nvPr>
             <p:ph idx="1" type="body"/>
@@ -6960,7 +7278,7 @@
       </p:sp>
       <p:sp>
         <p:nvSpPr>
-          <p:cNvPr id="8" name="Shape 8"/>
+          <p:cNvPr id="8" name="Google Shape;8;p1"/>
           <p:cNvSpPr txBox="1"/>
           <p:nvPr>
             <p:ph idx="12" type="sldNum"/>
@@ -7094,7 +7412,7 @@
             </a:lvl9pPr>
           </a:lstStyle>
           <a:p>
-            <a:pPr indent="0" lvl="0" marL="0">
+            <a:pPr indent="0" lvl="0" marL="0" rtl="0" algn="r">
               <a:spcBef>
                 <a:spcPts val="0"/>
               </a:spcBef>
@@ -7839,7 +8157,7 @@
       </p:grpSpPr>
       <p:sp>
         <p:nvSpPr>
-          <p:cNvPr id="67" name="Shape 67"/>
+          <p:cNvPr id="67" name="Google Shape;67;p13"/>
           <p:cNvSpPr txBox="1"/>
           <p:nvPr>
             <p:ph type="ctrTitle"/>
@@ -7860,7 +8178,7 @@
           </a:bodyPr>
           <a:lstStyle/>
           <a:p>
-            <a:pPr indent="0" lvl="0" marL="0">
+            <a:pPr indent="0" lvl="0" marL="0" rtl="0" algn="l">
               <a:spcBef>
                 <a:spcPts val="0"/>
               </a:spcBef>
@@ -7879,7 +8197,7 @@
       </p:sp>
       <p:sp>
         <p:nvSpPr>
-          <p:cNvPr id="68" name="Shape 68"/>
+          <p:cNvPr id="68" name="Google Shape;68;p13"/>
           <p:cNvSpPr txBox="1"/>
           <p:nvPr>
             <p:ph idx="1" type="subTitle"/>
@@ -7900,7 +8218,7 @@
           </a:bodyPr>
           <a:lstStyle/>
           <a:p>
-            <a:pPr indent="0" lvl="0" marL="0">
+            <a:pPr indent="0" lvl="0" marL="0" rtl="0" algn="l">
               <a:spcBef>
                 <a:spcPts val="0"/>
               </a:spcBef>
@@ -7914,6 +8232,37 @@
               <a:t>Jonathan Berman</a:t>
             </a:r>
             <a:endParaRPr sz="2400"/>
+          </a:p>
+          <a:p>
+            <a:pPr indent="0" lvl="0" marL="0" rtl="0" algn="l">
+              <a:spcBef>
+                <a:spcPts val="0"/>
+              </a:spcBef>
+              <a:spcAft>
+                <a:spcPts val="0"/>
+              </a:spcAft>
+              <a:buNone/>
+            </a:pPr>
+            <a:r>
+              <a:t/>
+            </a:r>
+            <a:endParaRPr sz="2400"/>
+          </a:p>
+          <a:p>
+            <a:pPr indent="0" lvl="0" marL="0" rtl="0" algn="l">
+              <a:spcBef>
+                <a:spcPts val="0"/>
+              </a:spcBef>
+              <a:spcAft>
+                <a:spcPts val="0"/>
+              </a:spcAft>
+              <a:buNone/>
+            </a:pPr>
+            <a:r>
+              <a:rPr lang="en"/>
+              <a:t>Sign in at http://bit.ly/2pQ8i0W</a:t>
+            </a:r>
+            <a:endParaRPr/>
           </a:p>
         </p:txBody>
       </p:sp>
@@ -7930,7 +8279,7 @@
   <p:cSld>
     <p:spTree>
       <p:nvGrpSpPr>
-        <p:cNvPr id="120" name="Shape 120"/>
+        <p:cNvPr id="122" name="Shape 122"/>
         <p:cNvGrpSpPr/>
         <p:nvPr/>
       </p:nvGrpSpPr>
@@ -7944,7 +8293,7 @@
       </p:grpSpPr>
       <p:sp>
         <p:nvSpPr>
-          <p:cNvPr id="121" name="Shape 121"/>
+          <p:cNvPr id="123" name="Google Shape;123;p22"/>
           <p:cNvSpPr txBox="1"/>
           <p:nvPr>
             <p:ph type="title"/>
@@ -7965,7 +8314,7 @@
           </a:bodyPr>
           <a:lstStyle/>
           <a:p>
-            <a:pPr indent="0" lvl="0" marL="0" rtl="0">
+            <a:pPr indent="0" lvl="0" marL="0" rtl="0" algn="l">
               <a:spcBef>
                 <a:spcPts val="0"/>
               </a:spcBef>
@@ -7976,7 +8325,7 @@
             </a:pPr>
             <a:r>
               <a:rPr lang="en"/>
-              <a:t>How to apply K-means</a:t>
+              <a:t>K-means Clustering Example</a:t>
             </a:r>
             <a:endParaRPr/>
           </a:p>
@@ -7984,7 +8333,7 @@
       </p:sp>
       <p:sp>
         <p:nvSpPr>
-          <p:cNvPr id="122" name="Shape 122"/>
+          <p:cNvPr id="124" name="Google Shape;124;p22"/>
           <p:cNvSpPr txBox="1"/>
           <p:nvPr>
             <p:ph idx="1" type="body"/>
@@ -7992,8 +8341,8 @@
         </p:nvSpPr>
         <p:spPr>
           <a:xfrm>
-            <a:off x="471900" y="1732100"/>
-            <a:ext cx="3999900" cy="3315300"/>
+            <a:off x="471900" y="1715875"/>
+            <a:ext cx="3999900" cy="2710200"/>
           </a:xfrm>
           <a:prstGeom prst="rect">
             <a:avLst/>
@@ -8005,7 +8354,7 @@
           </a:bodyPr>
           <a:lstStyle/>
           <a:p>
-            <a:pPr indent="0" lvl="0" marL="0">
+            <a:pPr indent="0" lvl="0" marL="0" rtl="0" algn="l">
               <a:spcBef>
                 <a:spcPts val="0"/>
               </a:spcBef>
@@ -8016,12 +8365,12 @@
             </a:pPr>
             <a:r>
               <a:rPr lang="en"/>
-              <a:t>We can use a lot of these graphs at different times and classify the shape.</a:t>
+              <a:t>On the right is an example of a set of students with different GPA and SAT scores separated into 3 different clusters. </a:t>
             </a:r>
             <a:endParaRPr/>
           </a:p>
           <a:p>
-            <a:pPr indent="0" lvl="0" marL="0">
+            <a:pPr indent="0" lvl="0" marL="0" rtl="0" algn="l">
               <a:spcBef>
                 <a:spcPts val="1600"/>
               </a:spcBef>
@@ -8031,61 +8380,39 @@
               <a:buNone/>
             </a:pPr>
             <a:r>
+              <a:t/>
+            </a:r>
+            <a:endParaRPr/>
+          </a:p>
+          <a:p>
+            <a:pPr indent="0" lvl="0" marL="0" rtl="0" algn="l">
+              <a:spcBef>
+                <a:spcPts val="1600"/>
+              </a:spcBef>
+              <a:spcAft>
+                <a:spcPts val="0"/>
+              </a:spcAft>
+              <a:buNone/>
+            </a:pPr>
+            <a:r>
               <a:rPr lang="en"/>
-              <a:t>One way to do this is to normalize the bid amounts from 0-1, and then store the values at intervals along the price. Let’s say 5 points for asks and 5 points for bids.</a:t>
+              <a:t>Which cluster would the unknown person be placed into?</a:t>
             </a:r>
             <a:endParaRPr/>
           </a:p>
           <a:p>
-            <a:pPr indent="0" lvl="0" marL="0">
+            <a:pPr indent="0" lvl="0" marL="0" rtl="0" algn="l">
               <a:spcBef>
                 <a:spcPts val="1600"/>
               </a:spcBef>
               <a:spcAft>
-                <a:spcPts val="0"/>
+                <a:spcPts val="1600"/>
               </a:spcAft>
               <a:buNone/>
             </a:pPr>
             <a:r>
               <a:rPr lang="en"/>
-              <a:t>This way we can get quite a bit of information about the shape of the graph as a 10 dimensional data point, and then cluster a bunch of the 10 </a:t>
-            </a:r>
-            <a:r>
-              <a:rPr lang="en"/>
-              <a:t>dimensional</a:t>
-            </a:r>
-            <a:r>
-              <a:rPr lang="en"/>
-              <a:t> data points.</a:t>
-            </a:r>
-            <a:endParaRPr/>
-          </a:p>
-          <a:p>
-            <a:pPr indent="0" lvl="0" marL="0" rtl="0">
-              <a:spcBef>
-                <a:spcPts val="1600"/>
-              </a:spcBef>
-              <a:spcAft>
-                <a:spcPts val="1600"/>
-              </a:spcAft>
-              <a:buNone/>
-            </a:pPr>
-            <a:r>
-              <a:rPr b="1" lang="en" sz="1800" u="sng">
-                <a:solidFill>
-                  <a:schemeClr val="hlink"/>
-                </a:solidFill>
-                <a:latin typeface="Calibri"/>
-                <a:ea typeface="Calibri"/>
-                <a:cs typeface="Calibri"/>
-                <a:sym typeface="Calibri"/>
-                <a:hlinkClick r:id="rId3"/>
-              </a:rPr>
-              <a:t>Here</a:t>
-            </a:r>
-            <a:r>
-              <a:rPr lang="en"/>
-              <a:t> is some code that does that.</a:t>
+              <a:t>Cluster 1</a:t>
             </a:r>
             <a:endParaRPr/>
           </a:p>
@@ -8093,12 +8420,12 @@
       </p:sp>
       <p:pic>
         <p:nvPicPr>
-          <p:cNvPr descr="Image result for cryptocurrency ask bid graph" id="123" name="Shape 123"/>
+          <p:cNvPr id="125" name="Google Shape;125;p22"/>
           <p:cNvPicPr preferRelativeResize="0"/>
           <p:nvPr/>
         </p:nvPicPr>
         <p:blipFill>
-          <a:blip r:embed="rId4">
+          <a:blip r:embed="rId3">
             <a:alphaModFix/>
           </a:blip>
           <a:stretch>
@@ -8107,8 +8434,8 @@
         </p:blipFill>
         <p:spPr>
           <a:xfrm>
-            <a:off x="4949925" y="1900451"/>
-            <a:ext cx="3999900" cy="3059905"/>
+            <a:off x="4640450" y="1961638"/>
+            <a:ext cx="4367400" cy="2625086"/>
           </a:xfrm>
           <a:prstGeom prst="rect">
             <a:avLst/>
@@ -8132,7 +8459,7 @@
   <p:cSld>
     <p:spTree>
       <p:nvGrpSpPr>
-        <p:cNvPr id="127" name="Shape 127"/>
+        <p:cNvPr id="129" name="Shape 129"/>
         <p:cNvGrpSpPr/>
         <p:nvPr/>
       </p:nvGrpSpPr>
@@ -8146,7 +8473,7 @@
       </p:grpSpPr>
       <p:sp>
         <p:nvSpPr>
-          <p:cNvPr id="128" name="Shape 128"/>
+          <p:cNvPr id="130" name="Google Shape;130;p23"/>
           <p:cNvSpPr txBox="1"/>
           <p:nvPr>
             <p:ph type="title"/>
@@ -8167,7 +8494,7 @@
           </a:bodyPr>
           <a:lstStyle/>
           <a:p>
-            <a:pPr indent="0" lvl="0" marL="0" rtl="0">
+            <a:pPr indent="0" lvl="0" marL="0" rtl="0" algn="l">
               <a:spcBef>
                 <a:spcPts val="0"/>
               </a:spcBef>
@@ -8178,7 +8505,7 @@
             </a:pPr>
             <a:r>
               <a:rPr lang="en"/>
-              <a:t>K Nearest Neighbors</a:t>
+              <a:t>Applying K-means Clustering to Cryptocurrency</a:t>
             </a:r>
             <a:endParaRPr/>
           </a:p>
@@ -8197,7 +8524,7 @@
   <p:cSld>
     <p:spTree>
       <p:nvGrpSpPr>
-        <p:cNvPr id="132" name="Shape 132"/>
+        <p:cNvPr id="134" name="Shape 134"/>
         <p:cNvGrpSpPr/>
         <p:nvPr/>
       </p:nvGrpSpPr>
@@ -8211,7 +8538,7 @@
       </p:grpSpPr>
       <p:sp>
         <p:nvSpPr>
-          <p:cNvPr id="133" name="Shape 133"/>
+          <p:cNvPr id="135" name="Google Shape;135;p24"/>
           <p:cNvSpPr txBox="1"/>
           <p:nvPr>
             <p:ph type="title"/>
@@ -8232,7 +8559,7 @@
           </a:bodyPr>
           <a:lstStyle/>
           <a:p>
-            <a:pPr indent="0" lvl="0" marL="0" rtl="0">
+            <a:pPr indent="0" lvl="0" marL="0" rtl="0" algn="l">
               <a:spcBef>
                 <a:spcPts val="0"/>
               </a:spcBef>
@@ -8243,7 +8570,7 @@
             </a:pPr>
             <a:r>
               <a:rPr lang="en"/>
-              <a:t>What is K nearest neighbors</a:t>
+              <a:t>Basic Cryptocurrency</a:t>
             </a:r>
             <a:endParaRPr/>
           </a:p>
@@ -8251,7 +8578,7 @@
       </p:sp>
       <p:sp>
         <p:nvSpPr>
-          <p:cNvPr id="134" name="Shape 134"/>
+          <p:cNvPr id="136" name="Google Shape;136;p24"/>
           <p:cNvSpPr txBox="1"/>
           <p:nvPr>
             <p:ph idx="1" type="body"/>
@@ -8259,8 +8586,8 @@
         </p:nvSpPr>
         <p:spPr>
           <a:xfrm>
-            <a:off x="471900" y="1919075"/>
-            <a:ext cx="3999900" cy="2710200"/>
+            <a:off x="471900" y="1772750"/>
+            <a:ext cx="3999900" cy="3315300"/>
           </a:xfrm>
           <a:prstGeom prst="rect">
             <a:avLst/>
@@ -8272,7 +8599,7 @@
           </a:bodyPr>
           <a:lstStyle/>
           <a:p>
-            <a:pPr indent="0" lvl="0" marL="0">
+            <a:pPr indent="0" lvl="0" marL="0" rtl="0" algn="l">
               <a:spcBef>
                 <a:spcPts val="0"/>
               </a:spcBef>
@@ -8283,12 +8610,12 @@
             </a:pPr>
             <a:r>
               <a:rPr lang="en"/>
-              <a:t>How can we classify a single data point</a:t>
+              <a:t>At its simplest, there are “buy” and “sell” orders, also known as “bids” and “asks”.</a:t>
             </a:r>
             <a:endParaRPr/>
           </a:p>
           <a:p>
-            <a:pPr indent="0" lvl="0" marL="0">
+            <a:pPr indent="0" lvl="0" marL="0" rtl="0" algn="l">
               <a:spcBef>
                 <a:spcPts val="1600"/>
               </a:spcBef>
@@ -8299,12 +8626,12 @@
             </a:pPr>
             <a:r>
               <a:rPr lang="en"/>
-              <a:t>Look at the K closest data points</a:t>
+              <a:t>A buy order is someone saying I am willing to buy this cryptocurrency at this price or below.</a:t>
             </a:r>
             <a:endParaRPr/>
           </a:p>
           <a:p>
-            <a:pPr indent="0" lvl="0" marL="0">
+            <a:pPr indent="0" lvl="0" marL="0" rtl="0" algn="l">
               <a:spcBef>
                 <a:spcPts val="1600"/>
               </a:spcBef>
@@ -8315,12 +8642,16 @@
             </a:pPr>
             <a:r>
               <a:rPr lang="en"/>
-              <a:t>The type of data point that appears the most is what we can guess the data point is</a:t>
+              <a:t>A sell order is someone saying </a:t>
+            </a:r>
+            <a:r>
+              <a:rPr lang="en"/>
+              <a:t>I am willing to sell this cryptocurrency at this price or above.</a:t>
             </a:r>
             <a:endParaRPr/>
           </a:p>
           <a:p>
-            <a:pPr indent="0" lvl="0" marL="0">
+            <a:pPr indent="0" lvl="0" marL="0" rtl="0" algn="l">
               <a:spcBef>
                 <a:spcPts val="1600"/>
               </a:spcBef>
@@ -8331,12 +8662,12 @@
             </a:pPr>
             <a:r>
               <a:rPr lang="en"/>
-              <a:t>Let’s look at the unknown data point on the right</a:t>
+              <a:t>If there is someone who wants to buy at the price someone is willing to sell, a transaction will occur. </a:t>
             </a:r>
             <a:endParaRPr/>
           </a:p>
           <a:p>
-            <a:pPr indent="0" lvl="0" marL="0" rtl="0">
+            <a:pPr indent="0" lvl="0" marL="0" rtl="0" algn="l">
               <a:spcBef>
                 <a:spcPts val="1600"/>
               </a:spcBef>
@@ -8347,7 +8678,7 @@
             </a:pPr>
             <a:r>
               <a:rPr lang="en"/>
-              <a:t>Using K=1 we get Caltech, but for K&gt;1 we get MIT, so we would guess they go to MIT.</a:t>
+              <a:t>To the right is a histogram of buy and sell orders</a:t>
             </a:r>
             <a:endParaRPr/>
           </a:p>
@@ -8355,7 +8686,7 @@
       </p:sp>
       <p:pic>
         <p:nvPicPr>
-          <p:cNvPr id="135" name="Shape 135"/>
+          <p:cNvPr descr="Image result for cryptocurrency ask bid graph" id="137" name="Google Shape;137;p24"/>
           <p:cNvPicPr preferRelativeResize="0"/>
           <p:nvPr/>
         </p:nvPicPr>
@@ -8369,8 +8700,8 @@
         </p:blipFill>
         <p:spPr>
           <a:xfrm>
-            <a:off x="4632325" y="1919075"/>
-            <a:ext cx="4367400" cy="2625086"/>
+            <a:off x="4949925" y="1900451"/>
+            <a:ext cx="3999900" cy="3059905"/>
           </a:xfrm>
           <a:prstGeom prst="rect">
             <a:avLst/>
@@ -8394,7 +8725,7 @@
   <p:cSld>
     <p:spTree>
       <p:nvGrpSpPr>
-        <p:cNvPr id="139" name="Shape 139"/>
+        <p:cNvPr id="141" name="Shape 141"/>
         <p:cNvGrpSpPr/>
         <p:nvPr/>
       </p:nvGrpSpPr>
@@ -8408,7 +8739,7 @@
       </p:grpSpPr>
       <p:sp>
         <p:nvSpPr>
-          <p:cNvPr id="140" name="Shape 140"/>
+          <p:cNvPr id="142" name="Google Shape;142;p25"/>
           <p:cNvSpPr txBox="1"/>
           <p:nvPr>
             <p:ph type="title"/>
@@ -8429,7 +8760,7 @@
           </a:bodyPr>
           <a:lstStyle/>
           <a:p>
-            <a:pPr indent="0" lvl="0" marL="0" rtl="0">
+            <a:pPr indent="0" lvl="0" marL="0" rtl="0" algn="l">
               <a:spcBef>
                 <a:spcPts val="0"/>
               </a:spcBef>
@@ -8440,7 +8771,7 @@
             </a:pPr>
             <a:r>
               <a:rPr lang="en"/>
-              <a:t>Now It’s Your Turn</a:t>
+              <a:t>How to apply K-means</a:t>
             </a:r>
             <a:endParaRPr/>
           </a:p>
@@ -8448,7 +8779,7 @@
       </p:sp>
       <p:sp>
         <p:nvSpPr>
-          <p:cNvPr id="141" name="Shape 141"/>
+          <p:cNvPr id="143" name="Google Shape;143;p25"/>
           <p:cNvSpPr txBox="1"/>
           <p:nvPr>
             <p:ph idx="1" type="body"/>
@@ -8456,8 +8787,8 @@
         </p:nvSpPr>
         <p:spPr>
           <a:xfrm>
-            <a:off x="471900" y="1919075"/>
-            <a:ext cx="7477200" cy="2710200"/>
+            <a:off x="471900" y="1732100"/>
+            <a:ext cx="3999900" cy="3315300"/>
           </a:xfrm>
           <a:prstGeom prst="rect">
             <a:avLst/>
@@ -8469,7 +8800,471 @@
           </a:bodyPr>
           <a:lstStyle/>
           <a:p>
-            <a:pPr indent="0" lvl="0" marL="0">
+            <a:pPr indent="0" lvl="0" marL="0" rtl="0" algn="l">
+              <a:spcBef>
+                <a:spcPts val="0"/>
+              </a:spcBef>
+              <a:spcAft>
+                <a:spcPts val="0"/>
+              </a:spcAft>
+              <a:buNone/>
+            </a:pPr>
+            <a:r>
+              <a:rPr lang="en"/>
+              <a:t>We can use a lot of these graphs at different times and classify the shape.</a:t>
+            </a:r>
+            <a:endParaRPr/>
+          </a:p>
+          <a:p>
+            <a:pPr indent="0" lvl="0" marL="0" rtl="0" algn="l">
+              <a:spcBef>
+                <a:spcPts val="1600"/>
+              </a:spcBef>
+              <a:spcAft>
+                <a:spcPts val="0"/>
+              </a:spcAft>
+              <a:buNone/>
+            </a:pPr>
+            <a:r>
+              <a:rPr lang="en"/>
+              <a:t>One way to do this is to normalize the bid amounts from 0-1, and then store the values at intervals along the price. Let’s say 5 points for asks and 5 points for bids.</a:t>
+            </a:r>
+            <a:endParaRPr/>
+          </a:p>
+          <a:p>
+            <a:pPr indent="0" lvl="0" marL="0" rtl="0" algn="l">
+              <a:spcBef>
+                <a:spcPts val="1600"/>
+              </a:spcBef>
+              <a:spcAft>
+                <a:spcPts val="0"/>
+              </a:spcAft>
+              <a:buNone/>
+            </a:pPr>
+            <a:r>
+              <a:rPr lang="en"/>
+              <a:t>This way we can get quite a bit of information about the shape of the graph as a 10 dimensional data point, and then cluster a bunch of the 10 </a:t>
+            </a:r>
+            <a:r>
+              <a:rPr lang="en"/>
+              <a:t>dimensional</a:t>
+            </a:r>
+            <a:r>
+              <a:rPr lang="en"/>
+              <a:t> data points.</a:t>
+            </a:r>
+            <a:endParaRPr/>
+          </a:p>
+          <a:p>
+            <a:pPr indent="0" lvl="0" marL="0" rtl="0" algn="l">
+              <a:spcBef>
+                <a:spcPts val="1600"/>
+              </a:spcBef>
+              <a:spcAft>
+                <a:spcPts val="1600"/>
+              </a:spcAft>
+              <a:buNone/>
+            </a:pPr>
+            <a:r>
+              <a:rPr b="1" lang="en" sz="1800" u="sng">
+                <a:solidFill>
+                  <a:schemeClr val="hlink"/>
+                </a:solidFill>
+                <a:latin typeface="Calibri"/>
+                <a:ea typeface="Calibri"/>
+                <a:cs typeface="Calibri"/>
+                <a:sym typeface="Calibri"/>
+                <a:hlinkClick r:id="rId3"/>
+              </a:rPr>
+              <a:t>Here</a:t>
+            </a:r>
+            <a:r>
+              <a:rPr lang="en"/>
+              <a:t> is some code that does that.</a:t>
+            </a:r>
+            <a:endParaRPr/>
+          </a:p>
+        </p:txBody>
+      </p:sp>
+      <p:pic>
+        <p:nvPicPr>
+          <p:cNvPr descr="Image result for cryptocurrency ask bid graph" id="144" name="Google Shape;144;p25"/>
+          <p:cNvPicPr preferRelativeResize="0"/>
+          <p:nvPr/>
+        </p:nvPicPr>
+        <p:blipFill>
+          <a:blip r:embed="rId4">
+            <a:alphaModFix/>
+          </a:blip>
+          <a:stretch>
+            <a:fillRect/>
+          </a:stretch>
+        </p:blipFill>
+        <p:spPr>
+          <a:xfrm>
+            <a:off x="4949925" y="1900451"/>
+            <a:ext cx="3999900" cy="3059905"/>
+          </a:xfrm>
+          <a:prstGeom prst="rect">
+            <a:avLst/>
+          </a:prstGeom>
+          <a:noFill/>
+          <a:ln>
+            <a:noFill/>
+          </a:ln>
+        </p:spPr>
+      </p:pic>
+    </p:spTree>
+  </p:cSld>
+  <p:clrMapOvr>
+    <a:masterClrMapping/>
+  </p:clrMapOvr>
+</p:sld>
+</file>
+
+<file path=ppt/slides/slide14.xml><?xml version="1.0" encoding="utf-8"?>
+<p:sld xmlns:a="http://schemas.openxmlformats.org/drawingml/2006/main" xmlns:r="http://schemas.openxmlformats.org/officeDocument/2006/relationships" xmlns:mc="http://schemas.openxmlformats.org/markup-compatibility/2006" xmlns:mv="urn:schemas-microsoft-com:mac:vml" xmlns:p="http://schemas.openxmlformats.org/presentationml/2006/main" xmlns:c="http://schemas.openxmlformats.org/drawingml/2006/chart" xmlns:dgm="http://schemas.openxmlformats.org/drawingml/2006/diagram" xmlns:o="urn:schemas-microsoft-com:office:office" xmlns:v="urn:schemas-microsoft-com:vml" xmlns:pvml="urn:schemas-microsoft-com:office:powerpoint" xmlns:com="http://schemas.openxmlformats.org/drawingml/2006/compatibility" xmlns:p14="http://schemas.microsoft.com/office/powerpoint/2010/main" xmlns:p15="http://schemas.microsoft.com/office/powerpoint/2012/main">
+  <p:cSld>
+    <p:spTree>
+      <p:nvGrpSpPr>
+        <p:cNvPr id="148" name="Shape 148"/>
+        <p:cNvGrpSpPr/>
+        <p:nvPr/>
+      </p:nvGrpSpPr>
+      <p:grpSpPr>
+        <a:xfrm>
+          <a:off x="0" y="0"/>
+          <a:ext cx="0" cy="0"/>
+          <a:chOff x="0" y="0"/>
+          <a:chExt cx="0" cy="0"/>
+        </a:xfrm>
+      </p:grpSpPr>
+      <p:sp>
+        <p:nvSpPr>
+          <p:cNvPr id="149" name="Google Shape;149;p26"/>
+          <p:cNvSpPr txBox="1"/>
+          <p:nvPr>
+            <p:ph type="title"/>
+          </p:nvPr>
+        </p:nvSpPr>
+        <p:spPr>
+          <a:xfrm>
+            <a:off x="460950" y="2065350"/>
+            <a:ext cx="8222100" cy="1012800"/>
+          </a:xfrm>
+          <a:prstGeom prst="rect">
+            <a:avLst/>
+          </a:prstGeom>
+        </p:spPr>
+        <p:txBody>
+          <a:bodyPr anchorCtr="0" anchor="ctr" bIns="91425" lIns="91425" spcFirstLastPara="1" rIns="91425" wrap="square" tIns="91425">
+            <a:noAutofit/>
+          </a:bodyPr>
+          <a:lstStyle/>
+          <a:p>
+            <a:pPr indent="0" lvl="0" marL="0" rtl="0" algn="l">
+              <a:spcBef>
+                <a:spcPts val="0"/>
+              </a:spcBef>
+              <a:spcAft>
+                <a:spcPts val="0"/>
+              </a:spcAft>
+              <a:buNone/>
+            </a:pPr>
+            <a:r>
+              <a:rPr lang="en"/>
+              <a:t>K Nearest Neighbors</a:t>
+            </a:r>
+            <a:endParaRPr/>
+          </a:p>
+        </p:txBody>
+      </p:sp>
+    </p:spTree>
+  </p:cSld>
+  <p:clrMapOvr>
+    <a:masterClrMapping/>
+  </p:clrMapOvr>
+</p:sld>
+</file>
+
+<file path=ppt/slides/slide15.xml><?xml version="1.0" encoding="utf-8"?>
+<p:sld xmlns:a="http://schemas.openxmlformats.org/drawingml/2006/main" xmlns:r="http://schemas.openxmlformats.org/officeDocument/2006/relationships" xmlns:mc="http://schemas.openxmlformats.org/markup-compatibility/2006" xmlns:mv="urn:schemas-microsoft-com:mac:vml" xmlns:p="http://schemas.openxmlformats.org/presentationml/2006/main" xmlns:c="http://schemas.openxmlformats.org/drawingml/2006/chart" xmlns:dgm="http://schemas.openxmlformats.org/drawingml/2006/diagram" xmlns:o="urn:schemas-microsoft-com:office:office" xmlns:v="urn:schemas-microsoft-com:vml" xmlns:pvml="urn:schemas-microsoft-com:office:powerpoint" xmlns:com="http://schemas.openxmlformats.org/drawingml/2006/compatibility" xmlns:p14="http://schemas.microsoft.com/office/powerpoint/2010/main" xmlns:p15="http://schemas.microsoft.com/office/powerpoint/2012/main">
+  <p:cSld>
+    <p:spTree>
+      <p:nvGrpSpPr>
+        <p:cNvPr id="153" name="Shape 153"/>
+        <p:cNvGrpSpPr/>
+        <p:nvPr/>
+      </p:nvGrpSpPr>
+      <p:grpSpPr>
+        <a:xfrm>
+          <a:off x="0" y="0"/>
+          <a:ext cx="0" cy="0"/>
+          <a:chOff x="0" y="0"/>
+          <a:chExt cx="0" cy="0"/>
+        </a:xfrm>
+      </p:grpSpPr>
+      <p:sp>
+        <p:nvSpPr>
+          <p:cNvPr id="154" name="Google Shape;154;p27"/>
+          <p:cNvSpPr txBox="1"/>
+          <p:nvPr>
+            <p:ph type="title"/>
+          </p:nvPr>
+        </p:nvSpPr>
+        <p:spPr>
+          <a:xfrm>
+            <a:off x="471900" y="738725"/>
+            <a:ext cx="8222100" cy="767700"/>
+          </a:xfrm>
+          <a:prstGeom prst="rect">
+            <a:avLst/>
+          </a:prstGeom>
+        </p:spPr>
+        <p:txBody>
+          <a:bodyPr anchorCtr="0" anchor="b" bIns="91425" lIns="91425" spcFirstLastPara="1" rIns="91425" wrap="square" tIns="91425">
+            <a:noAutofit/>
+          </a:bodyPr>
+          <a:lstStyle/>
+          <a:p>
+            <a:pPr indent="0" lvl="0" marL="0" rtl="0" algn="l">
+              <a:spcBef>
+                <a:spcPts val="0"/>
+              </a:spcBef>
+              <a:spcAft>
+                <a:spcPts val="0"/>
+              </a:spcAft>
+              <a:buNone/>
+            </a:pPr>
+            <a:r>
+              <a:rPr lang="en"/>
+              <a:t>What is K nearest neighbors</a:t>
+            </a:r>
+            <a:endParaRPr/>
+          </a:p>
+        </p:txBody>
+      </p:sp>
+      <p:sp>
+        <p:nvSpPr>
+          <p:cNvPr id="155" name="Google Shape;155;p27"/>
+          <p:cNvSpPr txBox="1"/>
+          <p:nvPr>
+            <p:ph idx="1" type="body"/>
+          </p:nvPr>
+        </p:nvSpPr>
+        <p:spPr>
+          <a:xfrm>
+            <a:off x="471900" y="1919075"/>
+            <a:ext cx="3999900" cy="2710200"/>
+          </a:xfrm>
+          <a:prstGeom prst="rect">
+            <a:avLst/>
+          </a:prstGeom>
+        </p:spPr>
+        <p:txBody>
+          <a:bodyPr anchorCtr="0" anchor="t" bIns="91425" lIns="91425" spcFirstLastPara="1" rIns="91425" wrap="square" tIns="91425">
+            <a:noAutofit/>
+          </a:bodyPr>
+          <a:lstStyle/>
+          <a:p>
+            <a:pPr indent="0" lvl="0" marL="0" rtl="0" algn="l">
+              <a:spcBef>
+                <a:spcPts val="0"/>
+              </a:spcBef>
+              <a:spcAft>
+                <a:spcPts val="0"/>
+              </a:spcAft>
+              <a:buNone/>
+            </a:pPr>
+            <a:r>
+              <a:rPr lang="en"/>
+              <a:t>How can we classify a single data point</a:t>
+            </a:r>
+            <a:endParaRPr/>
+          </a:p>
+          <a:p>
+            <a:pPr indent="0" lvl="0" marL="0" rtl="0" algn="l">
+              <a:spcBef>
+                <a:spcPts val="1600"/>
+              </a:spcBef>
+              <a:spcAft>
+                <a:spcPts val="0"/>
+              </a:spcAft>
+              <a:buNone/>
+            </a:pPr>
+            <a:r>
+              <a:rPr lang="en"/>
+              <a:t>Look at the K closest data points</a:t>
+            </a:r>
+            <a:endParaRPr/>
+          </a:p>
+          <a:p>
+            <a:pPr indent="0" lvl="0" marL="0" rtl="0" algn="l">
+              <a:spcBef>
+                <a:spcPts val="1600"/>
+              </a:spcBef>
+              <a:spcAft>
+                <a:spcPts val="0"/>
+              </a:spcAft>
+              <a:buNone/>
+            </a:pPr>
+            <a:r>
+              <a:rPr lang="en"/>
+              <a:t>The type of data point that appears the most is what we can guess the data point is</a:t>
+            </a:r>
+            <a:endParaRPr/>
+          </a:p>
+          <a:p>
+            <a:pPr indent="0" lvl="0" marL="0" rtl="0" algn="l">
+              <a:spcBef>
+                <a:spcPts val="1600"/>
+              </a:spcBef>
+              <a:spcAft>
+                <a:spcPts val="0"/>
+              </a:spcAft>
+              <a:buNone/>
+            </a:pPr>
+            <a:r>
+              <a:rPr lang="en"/>
+              <a:t>Let’s look at the unknown data point on the right</a:t>
+            </a:r>
+            <a:endParaRPr/>
+          </a:p>
+          <a:p>
+            <a:pPr indent="0" lvl="0" marL="0" rtl="0" algn="l">
+              <a:spcBef>
+                <a:spcPts val="1600"/>
+              </a:spcBef>
+              <a:spcAft>
+                <a:spcPts val="1600"/>
+              </a:spcAft>
+              <a:buNone/>
+            </a:pPr>
+            <a:r>
+              <a:rPr lang="en"/>
+              <a:t>Using K=1 we get Caltech, but for K&gt;1 we get MIT, so we would guess they go to MIT.</a:t>
+            </a:r>
+            <a:endParaRPr/>
+          </a:p>
+        </p:txBody>
+      </p:sp>
+      <p:pic>
+        <p:nvPicPr>
+          <p:cNvPr id="156" name="Google Shape;156;p27"/>
+          <p:cNvPicPr preferRelativeResize="0"/>
+          <p:nvPr/>
+        </p:nvPicPr>
+        <p:blipFill>
+          <a:blip r:embed="rId3">
+            <a:alphaModFix/>
+          </a:blip>
+          <a:stretch>
+            <a:fillRect/>
+          </a:stretch>
+        </p:blipFill>
+        <p:spPr>
+          <a:xfrm>
+            <a:off x="4632325" y="1919075"/>
+            <a:ext cx="4367400" cy="2625086"/>
+          </a:xfrm>
+          <a:prstGeom prst="rect">
+            <a:avLst/>
+          </a:prstGeom>
+          <a:noFill/>
+          <a:ln>
+            <a:noFill/>
+          </a:ln>
+        </p:spPr>
+      </p:pic>
+    </p:spTree>
+  </p:cSld>
+  <p:clrMapOvr>
+    <a:masterClrMapping/>
+  </p:clrMapOvr>
+</p:sld>
+</file>
+
+<file path=ppt/slides/slide16.xml><?xml version="1.0" encoding="utf-8"?>
+<p:sld xmlns:a="http://schemas.openxmlformats.org/drawingml/2006/main" xmlns:r="http://schemas.openxmlformats.org/officeDocument/2006/relationships" xmlns:mc="http://schemas.openxmlformats.org/markup-compatibility/2006" xmlns:mv="urn:schemas-microsoft-com:mac:vml" xmlns:p="http://schemas.openxmlformats.org/presentationml/2006/main" xmlns:c="http://schemas.openxmlformats.org/drawingml/2006/chart" xmlns:dgm="http://schemas.openxmlformats.org/drawingml/2006/diagram" xmlns:o="urn:schemas-microsoft-com:office:office" xmlns:v="urn:schemas-microsoft-com:vml" xmlns:pvml="urn:schemas-microsoft-com:office:powerpoint" xmlns:com="http://schemas.openxmlformats.org/drawingml/2006/compatibility" xmlns:p14="http://schemas.microsoft.com/office/powerpoint/2010/main" xmlns:p15="http://schemas.microsoft.com/office/powerpoint/2012/main">
+  <p:cSld>
+    <p:spTree>
+      <p:nvGrpSpPr>
+        <p:cNvPr id="160" name="Shape 160"/>
+        <p:cNvGrpSpPr/>
+        <p:nvPr/>
+      </p:nvGrpSpPr>
+      <p:grpSpPr>
+        <a:xfrm>
+          <a:off x="0" y="0"/>
+          <a:ext cx="0" cy="0"/>
+          <a:chOff x="0" y="0"/>
+          <a:chExt cx="0" cy="0"/>
+        </a:xfrm>
+      </p:grpSpPr>
+      <p:sp>
+        <p:nvSpPr>
+          <p:cNvPr id="161" name="Google Shape;161;p28"/>
+          <p:cNvSpPr txBox="1"/>
+          <p:nvPr>
+            <p:ph type="title"/>
+          </p:nvPr>
+        </p:nvSpPr>
+        <p:spPr>
+          <a:xfrm>
+            <a:off x="471900" y="738725"/>
+            <a:ext cx="8222100" cy="767700"/>
+          </a:xfrm>
+          <a:prstGeom prst="rect">
+            <a:avLst/>
+          </a:prstGeom>
+        </p:spPr>
+        <p:txBody>
+          <a:bodyPr anchorCtr="0" anchor="b" bIns="91425" lIns="91425" spcFirstLastPara="1" rIns="91425" wrap="square" tIns="91425">
+            <a:noAutofit/>
+          </a:bodyPr>
+          <a:lstStyle/>
+          <a:p>
+            <a:pPr indent="0" lvl="0" marL="0" rtl="0" algn="l">
+              <a:spcBef>
+                <a:spcPts val="0"/>
+              </a:spcBef>
+              <a:spcAft>
+                <a:spcPts val="0"/>
+              </a:spcAft>
+              <a:buNone/>
+            </a:pPr>
+            <a:r>
+              <a:rPr lang="en"/>
+              <a:t>Now It’s Your Turn</a:t>
+            </a:r>
+            <a:endParaRPr/>
+          </a:p>
+        </p:txBody>
+      </p:sp>
+      <p:sp>
+        <p:nvSpPr>
+          <p:cNvPr id="162" name="Google Shape;162;p28"/>
+          <p:cNvSpPr txBox="1"/>
+          <p:nvPr>
+            <p:ph idx="1" type="body"/>
+          </p:nvPr>
+        </p:nvSpPr>
+        <p:spPr>
+          <a:xfrm>
+            <a:off x="471900" y="1919075"/>
+            <a:ext cx="7477200" cy="2710200"/>
+          </a:xfrm>
+          <a:prstGeom prst="rect">
+            <a:avLst/>
+          </a:prstGeom>
+        </p:spPr>
+        <p:txBody>
+          <a:bodyPr anchorCtr="0" anchor="t" bIns="91425" lIns="91425" spcFirstLastPara="1" rIns="91425" wrap="square" tIns="91425">
+            <a:noAutofit/>
+          </a:bodyPr>
+          <a:lstStyle/>
+          <a:p>
+            <a:pPr indent="0" lvl="0" marL="0" rtl="0" algn="l">
               <a:spcBef>
                 <a:spcPts val="0"/>
               </a:spcBef>
@@ -8506,7 +9301,7 @@
             <a:endParaRPr/>
           </a:p>
           <a:p>
-            <a:pPr indent="0" lvl="0" marL="0">
+            <a:pPr indent="0" lvl="0" marL="0" rtl="0" algn="l">
               <a:spcBef>
                 <a:spcPts val="1600"/>
               </a:spcBef>
@@ -8539,7 +9334,7 @@
             <a:endParaRPr/>
           </a:p>
           <a:p>
-            <a:pPr indent="0" lvl="0" marL="0">
+            <a:pPr indent="0" lvl="0" marL="0" rtl="0" algn="l">
               <a:spcBef>
                 <a:spcPts val="1600"/>
               </a:spcBef>
@@ -8598,7 +9393,7 @@
             <a:endParaRPr/>
           </a:p>
           <a:p>
-            <a:pPr indent="0" lvl="0" marL="0" rtl="0">
+            <a:pPr indent="0" lvl="0" marL="0" rtl="0" algn="l">
               <a:spcBef>
                 <a:spcPts val="1600"/>
               </a:spcBef>
@@ -8641,7 +9436,7 @@
       </p:grpSpPr>
       <p:sp>
         <p:nvSpPr>
-          <p:cNvPr id="73" name="Shape 73"/>
+          <p:cNvPr id="73" name="Google Shape;73;p14"/>
           <p:cNvSpPr txBox="1"/>
           <p:nvPr>
             <p:ph type="title"/>
@@ -8662,7 +9457,7 @@
           </a:bodyPr>
           <a:lstStyle/>
           <a:p>
-            <a:pPr indent="0" lvl="0" marL="0">
+            <a:pPr indent="0" lvl="0" marL="0" rtl="0" algn="l">
               <a:spcBef>
                 <a:spcPts val="0"/>
               </a:spcBef>
@@ -8681,7 +9476,7 @@
       </p:sp>
       <p:sp>
         <p:nvSpPr>
-          <p:cNvPr id="74" name="Shape 74"/>
+          <p:cNvPr id="74" name="Google Shape;74;p14"/>
           <p:cNvSpPr txBox="1"/>
           <p:nvPr>
             <p:ph idx="1" type="body"/>
@@ -8702,7 +9497,7 @@
           </a:bodyPr>
           <a:lstStyle/>
           <a:p>
-            <a:pPr indent="-342900" lvl="0" marL="457200" rtl="0">
+            <a:pPr indent="-342900" lvl="0" marL="457200" rtl="0" algn="l">
               <a:spcBef>
                 <a:spcPts val="0"/>
               </a:spcBef>
@@ -8719,7 +9514,7 @@
             <a:endParaRPr/>
           </a:p>
           <a:p>
-            <a:pPr indent="-342900" lvl="0" marL="457200" rtl="0">
+            <a:pPr indent="-342900" lvl="0" marL="457200" rtl="0" algn="l">
               <a:spcBef>
                 <a:spcPts val="0"/>
               </a:spcBef>
@@ -8736,7 +9531,7 @@
             <a:endParaRPr/>
           </a:p>
           <a:p>
-            <a:pPr indent="-342900" lvl="0" marL="457200" rtl="0">
+            <a:pPr indent="-342900" lvl="0" marL="457200" rtl="0" algn="l">
               <a:spcBef>
                 <a:spcPts val="0"/>
               </a:spcBef>
@@ -8753,7 +9548,7 @@
             <a:endParaRPr/>
           </a:p>
           <a:p>
-            <a:pPr indent="-342900" lvl="0" marL="457200" rtl="0">
+            <a:pPr indent="-342900" lvl="0" marL="457200" rtl="0" algn="l">
               <a:spcBef>
                 <a:spcPts val="0"/>
               </a:spcBef>
@@ -8765,12 +9560,12 @@
             </a:pPr>
             <a:r>
               <a:rPr lang="en"/>
-              <a:t>Introduce sklearn</a:t>
+              <a:t>K-means clustering on cryptocurrency</a:t>
             </a:r>
             <a:endParaRPr/>
           </a:p>
           <a:p>
-            <a:pPr indent="-342900" lvl="0" marL="457200" rtl="0">
+            <a:pPr indent="-342900" lvl="0" marL="457200" rtl="0" algn="l">
               <a:spcBef>
                 <a:spcPts val="0"/>
               </a:spcBef>
@@ -8782,12 +9577,12 @@
             </a:pPr>
             <a:r>
               <a:rPr lang="en"/>
-              <a:t>K-means clustering on cryptocurrency</a:t>
+              <a:t>Introduce sklearn</a:t>
             </a:r>
             <a:endParaRPr/>
           </a:p>
           <a:p>
-            <a:pPr indent="-342900" lvl="0" marL="457200">
+            <a:pPr indent="-342900" lvl="0" marL="457200" rtl="0" algn="l">
               <a:spcBef>
                 <a:spcPts val="0"/>
               </a:spcBef>
@@ -8832,7 +9627,7 @@
       </p:grpSpPr>
       <p:sp>
         <p:nvSpPr>
-          <p:cNvPr id="79" name="Shape 79"/>
+          <p:cNvPr id="79" name="Google Shape;79;p15"/>
           <p:cNvSpPr txBox="1"/>
           <p:nvPr>
             <p:ph type="title"/>
@@ -8853,7 +9648,7 @@
           </a:bodyPr>
           <a:lstStyle/>
           <a:p>
-            <a:pPr indent="0" lvl="0" marL="0" rtl="0">
+            <a:pPr indent="0" lvl="0" marL="0" rtl="0" algn="l">
               <a:spcBef>
                 <a:spcPts val="0"/>
               </a:spcBef>
@@ -8897,7 +9692,7 @@
       </p:grpSpPr>
       <p:sp>
         <p:nvSpPr>
-          <p:cNvPr id="84" name="Shape 84"/>
+          <p:cNvPr id="84" name="Google Shape;84;p16"/>
           <p:cNvSpPr txBox="1"/>
           <p:nvPr>
             <p:ph type="title"/>
@@ -8918,7 +9713,7 @@
           </a:bodyPr>
           <a:lstStyle/>
           <a:p>
-            <a:pPr indent="0" lvl="0" marL="0">
+            <a:pPr indent="0" lvl="0" marL="0" rtl="0" algn="l">
               <a:spcBef>
                 <a:spcPts val="0"/>
               </a:spcBef>
@@ -8937,7 +9732,7 @@
       </p:sp>
       <p:sp>
         <p:nvSpPr>
-          <p:cNvPr id="85" name="Shape 85"/>
+          <p:cNvPr id="85" name="Google Shape;85;p16"/>
           <p:cNvSpPr txBox="1"/>
           <p:nvPr>
             <p:ph idx="1" type="body"/>
@@ -8958,7 +9753,7 @@
           </a:bodyPr>
           <a:lstStyle/>
           <a:p>
-            <a:pPr indent="0" lvl="0" marL="0">
+            <a:pPr indent="0" lvl="0" marL="0" rtl="0" algn="l">
               <a:spcBef>
                 <a:spcPts val="0"/>
               </a:spcBef>
@@ -8974,7 +9769,7 @@
             <a:endParaRPr/>
           </a:p>
           <a:p>
-            <a:pPr indent="0" lvl="0" marL="0">
+            <a:pPr indent="0" lvl="0" marL="0" rtl="0" algn="l">
               <a:spcBef>
                 <a:spcPts val="1600"/>
               </a:spcBef>
@@ -8990,7 +9785,7 @@
             <a:endParaRPr/>
           </a:p>
           <a:p>
-            <a:pPr indent="0" lvl="0" marL="0">
+            <a:pPr indent="0" lvl="0" marL="0" rtl="0" algn="l">
               <a:spcBef>
                 <a:spcPts val="1600"/>
               </a:spcBef>
@@ -9034,7 +9829,7 @@
       </p:grpSpPr>
       <p:sp>
         <p:nvSpPr>
-          <p:cNvPr id="90" name="Shape 90"/>
+          <p:cNvPr id="90" name="Google Shape;90;p17"/>
           <p:cNvSpPr txBox="1"/>
           <p:nvPr>
             <p:ph type="title"/>
@@ -9055,7 +9850,7 @@
           </a:bodyPr>
           <a:lstStyle/>
           <a:p>
-            <a:pPr indent="0" lvl="0" marL="0" rtl="0">
+            <a:pPr indent="0" lvl="0" marL="0" rtl="0" algn="l">
               <a:spcBef>
                 <a:spcPts val="0"/>
               </a:spcBef>
@@ -9074,7 +9869,7 @@
       </p:sp>
       <p:sp>
         <p:nvSpPr>
-          <p:cNvPr id="91" name="Shape 91"/>
+          <p:cNvPr id="91" name="Google Shape;91;p17"/>
           <p:cNvSpPr txBox="1"/>
           <p:nvPr>
             <p:ph idx="1" type="body"/>
@@ -9095,7 +9890,7 @@
           </a:bodyPr>
           <a:lstStyle/>
           <a:p>
-            <a:pPr indent="0" lvl="0" marL="0">
+            <a:pPr indent="0" lvl="0" marL="0" rtl="0" algn="l">
               <a:spcBef>
                 <a:spcPts val="0"/>
               </a:spcBef>
@@ -9106,12 +9901,15 @@
             </a:pPr>
             <a:r>
               <a:rPr lang="en"/>
-              <a:t>Imagine you want to use code in multiple places, lets say to sort a list</a:t>
+              <a:t>Imagine you want to use code in multiple places. </a:t>
             </a:r>
             <a:endParaRPr/>
           </a:p>
           <a:p>
-            <a:pPr indent="0" lvl="0" marL="0">
+            <a:pPr indent="0" lvl="0" marL="0" rtl="0" algn="l">
+              <a:lnSpc>
+                <a:spcPct val="100000"/>
+              </a:lnSpc>
               <a:spcBef>
                 <a:spcPts val="1600"/>
               </a:spcBef>
@@ -9121,28 +9919,95 @@
               <a:buNone/>
             </a:pPr>
             <a:r>
+              <a:rPr lang="en">
+                <a:latin typeface="Arial"/>
+                <a:ea typeface="Arial"/>
+                <a:cs typeface="Arial"/>
+                <a:sym typeface="Arial"/>
+              </a:rPr>
+              <a:t>APIs</a:t>
+            </a:r>
+            <a:r>
+              <a:rPr lang="en">
+                <a:latin typeface="Arial"/>
+                <a:ea typeface="Arial"/>
+                <a:cs typeface="Arial"/>
+                <a:sym typeface="Arial"/>
+              </a:rPr>
+              <a:t> allow you to change your code more easily</a:t>
+            </a:r>
+            <a:endParaRPr>
+              <a:latin typeface="Arial"/>
+              <a:ea typeface="Arial"/>
+              <a:cs typeface="Arial"/>
+              <a:sym typeface="Arial"/>
+            </a:endParaRPr>
+          </a:p>
+          <a:p>
+            <a:pPr indent="0" lvl="0" marL="0" rtl="0" algn="l">
+              <a:lnSpc>
+                <a:spcPct val="100000"/>
+              </a:lnSpc>
+              <a:spcBef>
+                <a:spcPts val="0"/>
+              </a:spcBef>
+              <a:spcAft>
+                <a:spcPts val="0"/>
+              </a:spcAft>
+              <a:buNone/>
+            </a:pPr>
+            <a:r>
+              <a:t/>
+            </a:r>
+            <a:endParaRPr>
+              <a:latin typeface="Arial"/>
+              <a:ea typeface="Arial"/>
+              <a:cs typeface="Arial"/>
+              <a:sym typeface="Arial"/>
+            </a:endParaRPr>
+          </a:p>
+          <a:p>
+            <a:pPr indent="0" lvl="0" marL="0" rtl="0" algn="l">
+              <a:lnSpc>
+                <a:spcPct val="100000"/>
+              </a:lnSpc>
+              <a:spcBef>
+                <a:spcPts val="0"/>
+              </a:spcBef>
+              <a:spcAft>
+                <a:spcPts val="0"/>
+              </a:spcAft>
+              <a:buNone/>
+            </a:pPr>
+            <a:r>
+              <a:rPr lang="en">
+                <a:latin typeface="Arial"/>
+                <a:ea typeface="Arial"/>
+                <a:cs typeface="Arial"/>
+                <a:sym typeface="Arial"/>
+              </a:rPr>
+              <a:t>You also won’t forget to change code in any place (if you copied it) which could lead to buggy or slow code</a:t>
+            </a:r>
+            <a:endParaRPr>
+              <a:latin typeface="Arial"/>
+              <a:ea typeface="Arial"/>
+              <a:cs typeface="Arial"/>
+              <a:sym typeface="Arial"/>
+            </a:endParaRPr>
+          </a:p>
+          <a:p>
+            <a:pPr indent="0" lvl="0" marL="0" rtl="0" algn="l">
+              <a:spcBef>
+                <a:spcPts val="0"/>
+              </a:spcBef>
+              <a:spcAft>
+                <a:spcPts val="1600"/>
+              </a:spcAft>
+              <a:buNone/>
+            </a:pPr>
+            <a:r>
               <a:rPr lang="en"/>
-              <a:t>You start with merge sort, but realize that the list is nearly ordered so insertion sort is more </a:t>
-            </a:r>
-            <a:r>
-              <a:rPr lang="en"/>
-              <a:t>efficient</a:t>
-            </a:r>
-            <a:endParaRPr/>
-          </a:p>
-          <a:p>
-            <a:pPr indent="0" lvl="0" marL="0" rtl="0">
-              <a:spcBef>
-                <a:spcPts val="1600"/>
-              </a:spcBef>
-              <a:spcAft>
-                <a:spcPts val="1600"/>
-              </a:spcAft>
-              <a:buNone/>
-            </a:pPr>
-            <a:r>
-              <a:rPr lang="en"/>
-              <a:t>Instead of changing the sort method everywhere, you change your generic sort from merge to insertion</a:t>
+              <a:t> </a:t>
             </a:r>
             <a:endParaRPr/>
           </a:p>
@@ -9150,7 +10015,7 @@
       </p:sp>
       <p:sp>
         <p:nvSpPr>
-          <p:cNvPr id="92" name="Shape 92"/>
+          <p:cNvPr id="92" name="Google Shape;92;p17"/>
           <p:cNvSpPr txBox="1"/>
           <p:nvPr/>
         </p:nvSpPr>
@@ -9173,7 +10038,7 @@
           </a:bodyPr>
           <a:lstStyle/>
           <a:p>
-            <a:pPr indent="0" lvl="0" marL="0">
+            <a:pPr indent="0" lvl="0" marL="0" rtl="0" algn="l">
               <a:spcBef>
                 <a:spcPts val="0"/>
               </a:spcBef>
@@ -9183,55 +10048,7 @@
               <a:buNone/>
             </a:pPr>
             <a:r>
-              <a:rPr lang="en">
-                <a:solidFill>
-                  <a:schemeClr val="lt2"/>
-                </a:solidFill>
-              </a:rPr>
-              <a:t>This allows you to change your code more easily</a:t>
-            </a:r>
-            <a:endParaRPr>
-              <a:solidFill>
-                <a:schemeClr val="lt2"/>
-              </a:solidFill>
-            </a:endParaRPr>
-          </a:p>
-          <a:p>
-            <a:pPr indent="0" lvl="0" marL="0">
-              <a:spcBef>
-                <a:spcPts val="0"/>
-              </a:spcBef>
-              <a:spcAft>
-                <a:spcPts val="0"/>
-              </a:spcAft>
-              <a:buNone/>
-            </a:pPr>
-            <a:r>
               <a:t/>
-            </a:r>
-            <a:endParaRPr>
-              <a:solidFill>
-                <a:schemeClr val="lt2"/>
-              </a:solidFill>
-            </a:endParaRPr>
-          </a:p>
-          <a:p>
-            <a:pPr indent="0" lvl="0" marL="0">
-              <a:spcBef>
-                <a:spcPts val="0"/>
-              </a:spcBef>
-              <a:spcAft>
-                <a:spcPts val="0"/>
-              </a:spcAft>
-              <a:buNone/>
-            </a:pPr>
-            <a:r>
-              <a:rPr lang="en">
-                <a:solidFill>
-                  <a:schemeClr val="lt2"/>
-                </a:solidFill>
-              </a:rPr>
-              <a:t>You also won’t forget to change code in any place which could lead to buggy or slow code</a:t>
             </a:r>
             <a:endParaRPr>
               <a:solidFill>
@@ -9268,7 +10085,7 @@
       </p:grpSpPr>
       <p:sp>
         <p:nvSpPr>
-          <p:cNvPr id="97" name="Shape 97"/>
+          <p:cNvPr id="97" name="Google Shape;97;p18"/>
           <p:cNvSpPr txBox="1"/>
           <p:nvPr>
             <p:ph type="title"/>
@@ -9276,20 +10093,20 @@
         </p:nvSpPr>
         <p:spPr>
           <a:xfrm>
-            <a:off x="460950" y="2065350"/>
-            <a:ext cx="8222100" cy="1012800"/>
+            <a:off x="471900" y="738725"/>
+            <a:ext cx="8222100" cy="767700"/>
           </a:xfrm>
           <a:prstGeom prst="rect">
             <a:avLst/>
           </a:prstGeom>
         </p:spPr>
         <p:txBody>
-          <a:bodyPr anchorCtr="0" anchor="ctr" bIns="91425" lIns="91425" spcFirstLastPara="1" rIns="91425" wrap="square" tIns="91425">
+          <a:bodyPr anchorCtr="0" anchor="b" bIns="91425" lIns="91425" spcFirstLastPara="1" rIns="91425" wrap="square" tIns="91425">
             <a:noAutofit/>
           </a:bodyPr>
           <a:lstStyle/>
           <a:p>
-            <a:pPr indent="0" lvl="0" marL="0">
+            <a:pPr indent="0" lvl="0" marL="0" rtl="0" algn="l">
               <a:spcBef>
                 <a:spcPts val="0"/>
               </a:spcBef>
@@ -9300,7 +10117,167 @@
             </a:pPr>
             <a:r>
               <a:rPr lang="en"/>
-              <a:t>K-means Clustering</a:t>
+              <a:t>Some API Examples</a:t>
+            </a:r>
+            <a:endParaRPr/>
+          </a:p>
+        </p:txBody>
+      </p:sp>
+      <p:sp>
+        <p:nvSpPr>
+          <p:cNvPr id="98" name="Google Shape;98;p18"/>
+          <p:cNvSpPr txBox="1"/>
+          <p:nvPr>
+            <p:ph idx="1" type="body"/>
+          </p:nvPr>
+        </p:nvSpPr>
+        <p:spPr>
+          <a:xfrm>
+            <a:off x="471900" y="1919075"/>
+            <a:ext cx="3999900" cy="2710200"/>
+          </a:xfrm>
+          <a:prstGeom prst="rect">
+            <a:avLst/>
+          </a:prstGeom>
+        </p:spPr>
+        <p:txBody>
+          <a:bodyPr anchorCtr="0" anchor="t" bIns="91425" lIns="91425" spcFirstLastPara="1" rIns="91425" wrap="square" tIns="91425">
+            <a:noAutofit/>
+          </a:bodyPr>
+          <a:lstStyle/>
+          <a:p>
+            <a:pPr indent="0" lvl="0" marL="0" rtl="0" algn="l">
+              <a:spcBef>
+                <a:spcPts val="0"/>
+              </a:spcBef>
+              <a:spcAft>
+                <a:spcPts val="0"/>
+              </a:spcAft>
+              <a:buNone/>
+            </a:pPr>
+            <a:r>
+              <a:rPr b="1" lang="en" sz="1500"/>
+              <a:t>Sorting a list repeatedly in a large program</a:t>
+            </a:r>
+            <a:endParaRPr b="1" sz="1500"/>
+          </a:p>
+          <a:p>
+            <a:pPr indent="0" lvl="0" marL="0" rtl="0" algn="l">
+              <a:spcBef>
+                <a:spcPts val="1600"/>
+              </a:spcBef>
+              <a:spcAft>
+                <a:spcPts val="0"/>
+              </a:spcAft>
+              <a:buNone/>
+            </a:pPr>
+            <a:r>
+              <a:rPr lang="en"/>
+              <a:t>You start with merge sort</a:t>
+            </a:r>
+            <a:endParaRPr/>
+          </a:p>
+          <a:p>
+            <a:pPr indent="0" lvl="0" marL="0" rtl="0" algn="l">
+              <a:spcBef>
+                <a:spcPts val="1600"/>
+              </a:spcBef>
+              <a:spcAft>
+                <a:spcPts val="0"/>
+              </a:spcAft>
+              <a:buNone/>
+            </a:pPr>
+            <a:r>
+              <a:rPr lang="en"/>
+              <a:t>Half way through, you realize the list is nearly ordered so insertion sort is more efficient</a:t>
+            </a:r>
+            <a:endParaRPr/>
+          </a:p>
+          <a:p>
+            <a:pPr indent="0" lvl="0" marL="0" rtl="0" algn="l">
+              <a:spcBef>
+                <a:spcPts val="1600"/>
+              </a:spcBef>
+              <a:spcAft>
+                <a:spcPts val="1600"/>
+              </a:spcAft>
+              <a:buNone/>
+            </a:pPr>
+            <a:r>
+              <a:rPr lang="en"/>
+              <a:t>Instead of changing the sort method everywhere, you change your generic sort from merge to insertion</a:t>
+            </a:r>
+            <a:endParaRPr/>
+          </a:p>
+        </p:txBody>
+      </p:sp>
+      <p:sp>
+        <p:nvSpPr>
+          <p:cNvPr id="99" name="Google Shape;99;p18"/>
+          <p:cNvSpPr txBox="1"/>
+          <p:nvPr>
+            <p:ph idx="2" type="body"/>
+          </p:nvPr>
+        </p:nvSpPr>
+        <p:spPr>
+          <a:xfrm>
+            <a:off x="4694250" y="1919075"/>
+            <a:ext cx="3999900" cy="2710200"/>
+          </a:xfrm>
+          <a:prstGeom prst="rect">
+            <a:avLst/>
+          </a:prstGeom>
+        </p:spPr>
+        <p:txBody>
+          <a:bodyPr anchorCtr="0" anchor="t" bIns="91425" lIns="91425" spcFirstLastPara="1" rIns="91425" wrap="square" tIns="91425">
+            <a:noAutofit/>
+          </a:bodyPr>
+          <a:lstStyle/>
+          <a:p>
+            <a:pPr indent="0" lvl="0" marL="0" rtl="0" algn="l">
+              <a:spcBef>
+                <a:spcPts val="0"/>
+              </a:spcBef>
+              <a:spcAft>
+                <a:spcPts val="0"/>
+              </a:spcAft>
+              <a:buNone/>
+            </a:pPr>
+            <a:r>
+              <a:rPr b="1" lang="en" sz="1500"/>
+              <a:t>Google Maps</a:t>
+            </a:r>
+            <a:endParaRPr b="1" sz="1500"/>
+          </a:p>
+          <a:p>
+            <a:pPr indent="0" lvl="0" marL="0" rtl="0" algn="l">
+              <a:spcBef>
+                <a:spcPts val="1600"/>
+              </a:spcBef>
+              <a:spcAft>
+                <a:spcPts val="0"/>
+              </a:spcAft>
+              <a:buNone/>
+            </a:pPr>
+            <a:r>
+              <a:rPr lang="en"/>
+              <a:t>Let’s say you want use google maps to find the quickest way from point A to point B</a:t>
+            </a:r>
+            <a:endParaRPr/>
+          </a:p>
+          <a:p>
+            <a:pPr indent="0" lvl="0" marL="0" rtl="0" algn="l">
+              <a:spcBef>
+                <a:spcPts val="1600"/>
+              </a:spcBef>
+              <a:spcAft>
+                <a:spcPts val="1600"/>
+              </a:spcAft>
+              <a:buNone/>
+            </a:pPr>
+            <a:r>
+              <a:rPr lang="en"/>
+              <a:t>They can change the actual pathfinding algorithm, but nothing in your code has to change</a:t>
             </a:r>
             <a:endParaRPr/>
           </a:p>
@@ -9319,7 +10296,7 @@
   <p:cSld>
     <p:spTree>
       <p:nvGrpSpPr>
-        <p:cNvPr id="101" name="Shape 101"/>
+        <p:cNvPr id="103" name="Shape 103"/>
         <p:cNvGrpSpPr/>
         <p:nvPr/>
       </p:nvGrpSpPr>
@@ -9333,7 +10310,7 @@
       </p:grpSpPr>
       <p:sp>
         <p:nvSpPr>
-          <p:cNvPr id="102" name="Shape 102"/>
+          <p:cNvPr id="104" name="Google Shape;104;p19"/>
           <p:cNvSpPr txBox="1"/>
           <p:nvPr>
             <p:ph type="title"/>
@@ -9341,20 +10318,20 @@
         </p:nvSpPr>
         <p:spPr>
           <a:xfrm>
-            <a:off x="471900" y="738725"/>
-            <a:ext cx="8222100" cy="767700"/>
+            <a:off x="460950" y="2065350"/>
+            <a:ext cx="8222100" cy="1012800"/>
           </a:xfrm>
           <a:prstGeom prst="rect">
             <a:avLst/>
           </a:prstGeom>
         </p:spPr>
         <p:txBody>
-          <a:bodyPr anchorCtr="0" anchor="b" bIns="91425" lIns="91425" spcFirstLastPara="1" rIns="91425" wrap="square" tIns="91425">
+          <a:bodyPr anchorCtr="0" anchor="ctr" bIns="91425" lIns="91425" spcFirstLastPara="1" rIns="91425" wrap="square" tIns="91425">
             <a:noAutofit/>
           </a:bodyPr>
           <a:lstStyle/>
           <a:p>
-            <a:pPr indent="0" lvl="0" marL="0" rtl="0">
+            <a:pPr indent="0" lvl="0" marL="0" rtl="0" algn="l">
               <a:spcBef>
                 <a:spcPts val="0"/>
               </a:spcBef>
@@ -9365,159 +10342,12 @@
             </a:pPr>
             <a:r>
               <a:rPr lang="en"/>
-              <a:t>What is K-means Clustering</a:t>
+              <a:t>K-means Clustering</a:t>
             </a:r>
             <a:endParaRPr/>
           </a:p>
         </p:txBody>
       </p:sp>
-      <p:sp>
-        <p:nvSpPr>
-          <p:cNvPr id="103" name="Shape 103"/>
-          <p:cNvSpPr txBox="1"/>
-          <p:nvPr>
-            <p:ph idx="1" type="body"/>
-          </p:nvPr>
-        </p:nvSpPr>
-        <p:spPr>
-          <a:xfrm>
-            <a:off x="471900" y="1715875"/>
-            <a:ext cx="3999900" cy="2710200"/>
-          </a:xfrm>
-          <a:prstGeom prst="rect">
-            <a:avLst/>
-          </a:prstGeom>
-        </p:spPr>
-        <p:txBody>
-          <a:bodyPr anchorCtr="0" anchor="t" bIns="91425" lIns="91425" spcFirstLastPara="1" rIns="91425" wrap="square" tIns="91425">
-            <a:noAutofit/>
-          </a:bodyPr>
-          <a:lstStyle/>
-          <a:p>
-            <a:pPr indent="0" lvl="0" marL="0">
-              <a:spcBef>
-                <a:spcPts val="0"/>
-              </a:spcBef>
-              <a:spcAft>
-                <a:spcPts val="0"/>
-              </a:spcAft>
-              <a:buNone/>
-            </a:pPr>
-            <a:r>
-              <a:rPr lang="en"/>
-              <a:t>Takes a set of data points and </a:t>
-            </a:r>
-            <a:r>
-              <a:rPr lang="en"/>
-              <a:t>separates</a:t>
-            </a:r>
-            <a:r>
-              <a:rPr lang="en"/>
-              <a:t> them into K different clusters</a:t>
-            </a:r>
-            <a:endParaRPr/>
-          </a:p>
-          <a:p>
-            <a:pPr indent="0" lvl="0" marL="0">
-              <a:spcBef>
-                <a:spcPts val="1600"/>
-              </a:spcBef>
-              <a:spcAft>
-                <a:spcPts val="0"/>
-              </a:spcAft>
-              <a:buNone/>
-            </a:pPr>
-            <a:r>
-              <a:rPr lang="en"/>
-              <a:t>Can be used to find data points similar to other ones</a:t>
-            </a:r>
-            <a:endParaRPr/>
-          </a:p>
-          <a:p>
-            <a:pPr indent="0" lvl="0" marL="0">
-              <a:spcBef>
-                <a:spcPts val="1600"/>
-              </a:spcBef>
-              <a:spcAft>
-                <a:spcPts val="0"/>
-              </a:spcAft>
-              <a:buNone/>
-            </a:pPr>
-            <a:r>
-              <a:rPr lang="en"/>
-              <a:t>To guess the cluster of a new point off of the training data, make it the same cluster as its closest neighbor</a:t>
-            </a:r>
-            <a:endParaRPr/>
-          </a:p>
-          <a:p>
-            <a:pPr indent="0" lvl="0" marL="0">
-              <a:spcBef>
-                <a:spcPts val="1600"/>
-              </a:spcBef>
-              <a:spcAft>
-                <a:spcPts val="0"/>
-              </a:spcAft>
-              <a:buNone/>
-            </a:pPr>
-            <a:r>
-              <a:rPr lang="en"/>
-              <a:t>On the right is an example of a set of students with different GPA and SAT scores </a:t>
-            </a:r>
-            <a:r>
-              <a:rPr lang="en"/>
-              <a:t>separated</a:t>
-            </a:r>
-            <a:r>
-              <a:rPr lang="en"/>
-              <a:t> into 3 different clusters. The unknown would be classified as cluster 1.</a:t>
-            </a:r>
-            <a:endParaRPr/>
-          </a:p>
-          <a:p>
-            <a:pPr indent="0" lvl="0" marL="0" rtl="0">
-              <a:spcBef>
-                <a:spcPts val="1600"/>
-              </a:spcBef>
-              <a:spcAft>
-                <a:spcPts val="1600"/>
-              </a:spcAft>
-              <a:buNone/>
-            </a:pPr>
-            <a:r>
-              <a:t/>
-            </a:r>
-            <a:endParaRPr/>
-          </a:p>
-        </p:txBody>
-      </p:sp>
-      <p:pic>
-        <p:nvPicPr>
-          <p:cNvPr id="104" name="Shape 104"/>
-          <p:cNvPicPr preferRelativeResize="0"/>
-          <p:nvPr/>
-        </p:nvPicPr>
-        <p:blipFill>
-          <a:blip r:embed="rId3">
-            <a:alphaModFix/>
-          </a:blip>
-          <a:stretch>
-            <a:fillRect/>
-          </a:stretch>
-        </p:blipFill>
-        <p:spPr>
-          <a:xfrm>
-            <a:off x="4640450" y="1961638"/>
-            <a:ext cx="4367400" cy="2625086"/>
-          </a:xfrm>
-          <a:prstGeom prst="rect">
-            <a:avLst/>
-          </a:prstGeom>
-          <a:noFill/>
-          <a:ln>
-            <a:noFill/>
-          </a:ln>
-        </p:spPr>
-      </p:pic>
     </p:spTree>
   </p:cSld>
   <p:clrMapOvr>
@@ -9545,7 +10375,7 @@
       </p:grpSpPr>
       <p:sp>
         <p:nvSpPr>
-          <p:cNvPr id="109" name="Shape 109"/>
+          <p:cNvPr id="109" name="Google Shape;109;p20"/>
           <p:cNvSpPr txBox="1"/>
           <p:nvPr>
             <p:ph type="title"/>
@@ -9553,20 +10383,20 @@
         </p:nvSpPr>
         <p:spPr>
           <a:xfrm>
-            <a:off x="460950" y="2065350"/>
-            <a:ext cx="8222100" cy="1012800"/>
+            <a:off x="471900" y="738725"/>
+            <a:ext cx="8222100" cy="767700"/>
           </a:xfrm>
           <a:prstGeom prst="rect">
             <a:avLst/>
           </a:prstGeom>
         </p:spPr>
         <p:txBody>
-          <a:bodyPr anchorCtr="0" anchor="ctr" bIns="91425" lIns="91425" spcFirstLastPara="1" rIns="91425" wrap="square" tIns="91425">
+          <a:bodyPr anchorCtr="0" anchor="b" bIns="91425" lIns="91425" spcFirstLastPara="1" rIns="91425" wrap="square" tIns="91425">
             <a:noAutofit/>
           </a:bodyPr>
           <a:lstStyle/>
           <a:p>
-            <a:pPr indent="0" lvl="0" marL="0" rtl="0">
+            <a:pPr indent="0" lvl="0" marL="0" rtl="0" algn="l">
               <a:spcBef>
                 <a:spcPts val="0"/>
               </a:spcBef>
@@ -9577,12 +10407,150 @@
             </a:pPr>
             <a:r>
               <a:rPr lang="en"/>
-              <a:t>Applying K-means Clustering to Cryptocurrency</a:t>
+              <a:t>What is K-means Clustering</a:t>
             </a:r>
             <a:endParaRPr/>
           </a:p>
         </p:txBody>
       </p:sp>
+      <p:sp>
+        <p:nvSpPr>
+          <p:cNvPr id="110" name="Google Shape;110;p20"/>
+          <p:cNvSpPr txBox="1"/>
+          <p:nvPr>
+            <p:ph idx="1" type="body"/>
+          </p:nvPr>
+        </p:nvSpPr>
+        <p:spPr>
+          <a:xfrm>
+            <a:off x="471900" y="1715875"/>
+            <a:ext cx="3999900" cy="2710200"/>
+          </a:xfrm>
+          <a:prstGeom prst="rect">
+            <a:avLst/>
+          </a:prstGeom>
+        </p:spPr>
+        <p:txBody>
+          <a:bodyPr anchorCtr="0" anchor="t" bIns="91425" lIns="91425" spcFirstLastPara="1" rIns="91425" wrap="square" tIns="91425">
+            <a:noAutofit/>
+          </a:bodyPr>
+          <a:lstStyle/>
+          <a:p>
+            <a:pPr indent="0" lvl="0" marL="0" rtl="0" algn="l">
+              <a:spcBef>
+                <a:spcPts val="0"/>
+              </a:spcBef>
+              <a:spcAft>
+                <a:spcPts val="0"/>
+              </a:spcAft>
+              <a:buNone/>
+            </a:pPr>
+            <a:r>
+              <a:rPr lang="en"/>
+              <a:t>Takes a set of data points and </a:t>
+            </a:r>
+            <a:r>
+              <a:rPr lang="en"/>
+              <a:t>separates</a:t>
+            </a:r>
+            <a:r>
+              <a:rPr lang="en"/>
+              <a:t> them into K different clusters</a:t>
+            </a:r>
+            <a:endParaRPr/>
+          </a:p>
+          <a:p>
+            <a:pPr indent="0" lvl="0" marL="0" rtl="0" algn="l">
+              <a:spcBef>
+                <a:spcPts val="1600"/>
+              </a:spcBef>
+              <a:spcAft>
+                <a:spcPts val="0"/>
+              </a:spcAft>
+              <a:buNone/>
+            </a:pPr>
+            <a:r>
+              <a:rPr lang="en"/>
+              <a:t>Can be used to find data points similar to other ones</a:t>
+            </a:r>
+            <a:endParaRPr/>
+          </a:p>
+          <a:p>
+            <a:pPr indent="0" lvl="0" marL="0" rtl="0" algn="l">
+              <a:spcBef>
+                <a:spcPts val="1600"/>
+              </a:spcBef>
+              <a:spcAft>
+                <a:spcPts val="0"/>
+              </a:spcAft>
+              <a:buNone/>
+            </a:pPr>
+            <a:r>
+              <a:rPr lang="en"/>
+              <a:t>To guess the cluster of a new point off of the training data, make it the same cluster as its closest neighbor</a:t>
+            </a:r>
+            <a:endParaRPr/>
+          </a:p>
+          <a:p>
+            <a:pPr indent="0" lvl="0" marL="0" rtl="0" algn="l">
+              <a:spcBef>
+                <a:spcPts val="1600"/>
+              </a:spcBef>
+              <a:spcAft>
+                <a:spcPts val="0"/>
+              </a:spcAft>
+              <a:buNone/>
+            </a:pPr>
+            <a:r>
+              <a:t/>
+            </a:r>
+            <a:endParaRPr/>
+          </a:p>
+          <a:p>
+            <a:pPr indent="0" lvl="0" marL="0" rtl="0" algn="l">
+              <a:spcBef>
+                <a:spcPts val="1600"/>
+              </a:spcBef>
+              <a:spcAft>
+                <a:spcPts val="1600"/>
+              </a:spcAft>
+              <a:buNone/>
+            </a:pPr>
+            <a:r>
+              <a:t/>
+            </a:r>
+            <a:endParaRPr/>
+          </a:p>
+        </p:txBody>
+      </p:sp>
+      <p:pic>
+        <p:nvPicPr>
+          <p:cNvPr id="111" name="Google Shape;111;p20"/>
+          <p:cNvPicPr preferRelativeResize="0"/>
+          <p:nvPr/>
+        </p:nvPicPr>
+        <p:blipFill>
+          <a:blip r:embed="rId3">
+            <a:alphaModFix/>
+          </a:blip>
+          <a:stretch>
+            <a:fillRect/>
+          </a:stretch>
+        </p:blipFill>
+        <p:spPr>
+          <a:xfrm>
+            <a:off x="5421225" y="2113728"/>
+            <a:ext cx="3042800" cy="2436650"/>
+          </a:xfrm>
+          <a:prstGeom prst="rect">
+            <a:avLst/>
+          </a:prstGeom>
+          <a:noFill/>
+          <a:ln>
+            <a:noFill/>
+          </a:ln>
+        </p:spPr>
+      </p:pic>
     </p:spTree>
   </p:cSld>
   <p:clrMapOvr>
@@ -9596,7 +10564,7 @@
   <p:cSld>
     <p:spTree>
       <p:nvGrpSpPr>
-        <p:cNvPr id="113" name="Shape 113"/>
+        <p:cNvPr id="115" name="Shape 115"/>
         <p:cNvGrpSpPr/>
         <p:nvPr/>
       </p:nvGrpSpPr>
@@ -9610,7 +10578,7 @@
       </p:grpSpPr>
       <p:sp>
         <p:nvSpPr>
-          <p:cNvPr id="114" name="Shape 114"/>
+          <p:cNvPr id="116" name="Google Shape;116;p21"/>
           <p:cNvSpPr txBox="1"/>
           <p:nvPr>
             <p:ph type="title"/>
@@ -9631,7 +10599,7 @@
           </a:bodyPr>
           <a:lstStyle/>
           <a:p>
-            <a:pPr indent="0" lvl="0" marL="0" rtl="0">
+            <a:pPr indent="0" lvl="0" marL="0" rtl="0" algn="l">
               <a:spcBef>
                 <a:spcPts val="0"/>
               </a:spcBef>
@@ -9642,7 +10610,7 @@
             </a:pPr>
             <a:r>
               <a:rPr lang="en"/>
-              <a:t>Basic Cryptocurrency</a:t>
+              <a:t>K-means Clustering Example</a:t>
             </a:r>
             <a:endParaRPr/>
           </a:p>
@@ -9650,7 +10618,7 @@
       </p:sp>
       <p:sp>
         <p:nvSpPr>
-          <p:cNvPr id="115" name="Shape 115"/>
+          <p:cNvPr id="117" name="Google Shape;117;p21"/>
           <p:cNvSpPr txBox="1"/>
           <p:nvPr>
             <p:ph idx="1" type="body"/>
@@ -9658,8 +10626,8 @@
         </p:nvSpPr>
         <p:spPr>
           <a:xfrm>
-            <a:off x="471900" y="1772750"/>
-            <a:ext cx="3999900" cy="3315300"/>
+            <a:off x="471900" y="1715875"/>
+            <a:ext cx="3999900" cy="2710200"/>
           </a:xfrm>
           <a:prstGeom prst="rect">
             <a:avLst/>
@@ -9671,7 +10639,7 @@
           </a:bodyPr>
           <a:lstStyle/>
           <a:p>
-            <a:pPr indent="0" lvl="0" marL="0">
+            <a:pPr indent="0" lvl="0" marL="0" rtl="0" algn="l">
               <a:spcBef>
                 <a:spcPts val="0"/>
               </a:spcBef>
@@ -9682,12 +10650,12 @@
             </a:pPr>
             <a:r>
               <a:rPr lang="en"/>
-              <a:t>At its simplest, there are “buy” and “sell” orders, also known as “bids” and “asks”.</a:t>
+              <a:t>On the right is an example of a set of students with different GPA and SAT scores separated into 3 different clusters. </a:t>
             </a:r>
             <a:endParaRPr/>
           </a:p>
           <a:p>
-            <a:pPr indent="0" lvl="0" marL="0">
+            <a:pPr indent="0" lvl="0" marL="0" rtl="0" algn="l">
               <a:spcBef>
                 <a:spcPts val="1600"/>
               </a:spcBef>
@@ -9697,60 +10665,23 @@
               <a:buNone/>
             </a:pPr>
             <a:r>
+              <a:t/>
+            </a:r>
+            <a:endParaRPr/>
+          </a:p>
+          <a:p>
+            <a:pPr indent="0" lvl="0" marL="0" rtl="0" algn="l">
+              <a:spcBef>
+                <a:spcPts val="1600"/>
+              </a:spcBef>
+              <a:spcAft>
+                <a:spcPts val="1600"/>
+              </a:spcAft>
+              <a:buNone/>
+            </a:pPr>
+            <a:r>
               <a:rPr lang="en"/>
-              <a:t>A buy order is someone saying I am willing to buy this cryptocurrency at this price or below.</a:t>
-            </a:r>
-            <a:endParaRPr/>
-          </a:p>
-          <a:p>
-            <a:pPr indent="0" lvl="0" marL="0">
-              <a:spcBef>
-                <a:spcPts val="1600"/>
-              </a:spcBef>
-              <a:spcAft>
-                <a:spcPts val="0"/>
-              </a:spcAft>
-              <a:buNone/>
-            </a:pPr>
-            <a:r>
-              <a:rPr lang="en"/>
-              <a:t>A sell order is someone saying </a:t>
-            </a:r>
-            <a:r>
-              <a:rPr lang="en"/>
-              <a:t>I am willing to sell this cryptocurrency at this price or above.</a:t>
-            </a:r>
-            <a:endParaRPr/>
-          </a:p>
-          <a:p>
-            <a:pPr indent="0" lvl="0" marL="0">
-              <a:spcBef>
-                <a:spcPts val="1600"/>
-              </a:spcBef>
-              <a:spcAft>
-                <a:spcPts val="0"/>
-              </a:spcAft>
-              <a:buNone/>
-            </a:pPr>
-            <a:r>
-              <a:rPr lang="en"/>
-              <a:t>If there is someone who wants to buy at the price someone is willing to sell, a transaction will occur. </a:t>
-            </a:r>
-            <a:endParaRPr/>
-          </a:p>
-          <a:p>
-            <a:pPr indent="0" lvl="0" marL="0" rtl="0">
-              <a:spcBef>
-                <a:spcPts val="1600"/>
-              </a:spcBef>
-              <a:spcAft>
-                <a:spcPts val="1600"/>
-              </a:spcAft>
-              <a:buNone/>
-            </a:pPr>
-            <a:r>
-              <a:rPr lang="en"/>
-              <a:t>To the right is a histogram of buy and sell orders</a:t>
+              <a:t>Which cluster would the unknown person be placed into?</a:t>
             </a:r>
             <a:endParaRPr/>
           </a:p>
@@ -9758,7 +10689,7 @@
       </p:sp>
       <p:pic>
         <p:nvPicPr>
-          <p:cNvPr descr="Image result for cryptocurrency ask bid graph" id="116" name="Shape 116"/>
+          <p:cNvPr id="118" name="Google Shape;118;p21"/>
           <p:cNvPicPr preferRelativeResize="0"/>
           <p:nvPr/>
         </p:nvPicPr>
@@ -9772,8 +10703,8 @@
         </p:blipFill>
         <p:spPr>
           <a:xfrm>
-            <a:off x="4949925" y="1900451"/>
-            <a:ext cx="3999900" cy="3059905"/>
+            <a:off x="4640450" y="1961638"/>
+            <a:ext cx="4367400" cy="2625086"/>
           </a:xfrm>
           <a:prstGeom prst="rect">
             <a:avLst/>
